--- a/Design Patterns Fundamentals -.pptx
+++ b/Design Patterns Fundamentals -.pptx
@@ -1,22 +1,22 @@
 
 <file path=ppt/presentation.xml><?xml version="1.0" encoding="utf-8"?>
-<p:presentation xmlns:a="http://schemas.openxmlformats.org/drawingml/2006/main" xmlns:r="http://schemas.openxmlformats.org/officeDocument/2006/relationships" xmlns:mc="http://schemas.openxmlformats.org/markup-compatibility/2006" xmlns:mv="urn:schemas-microsoft-com:mac:vml" xmlns:p="http://schemas.openxmlformats.org/presentationml/2006/main" xmlns:c="http://schemas.openxmlformats.org/drawingml/2006/chart" xmlns:dgm="http://schemas.openxmlformats.org/drawingml/2006/diagram" xmlns:o="urn:schemas-microsoft-com:office:office" xmlns:v="urn:schemas-microsoft-com:vml" xmlns:pvml="urn:schemas-microsoft-com:office:powerpoint" xmlns:com="http://schemas.openxmlformats.org/drawingml/2006/compatibility" xmlns:p14="http://schemas.microsoft.com/office/powerpoint/2010/main" autoCompressPictures="0" strictFirstAndLastChars="0" saveSubsetFonts="1">
+<p:presentation xmlns:a="http://schemas.openxmlformats.org/drawingml/2006/main" xmlns:r="http://schemas.openxmlformats.org/officeDocument/2006/relationships" xmlns:p="http://schemas.openxmlformats.org/presentationml/2006/main" strictFirstAndLastChars="0" autoCompressPictures="0">
   <p:sldMasterIdLst>
-    <p:sldMasterId id="2147483659" r:id="rId3"/>
+    <p:sldMasterId id="2147483648" r:id="rId1"/>
   </p:sldMasterIdLst>
   <p:notesMasterIdLst>
     <p:notesMasterId r:id="rId4"/>
   </p:notesMasterIdLst>
   <p:sldIdLst>
-    <p:sldId id="256" r:id="rId5"/>
-    <p:sldId id="257" r:id="rId6"/>
-    <p:sldId id="258" r:id="rId7"/>
-    <p:sldId id="259" r:id="rId8"/>
+    <p:sldId id="256" r:id="rId3"/>
+    <p:sldId id="257" r:id="rId5"/>
+    <p:sldId id="258" r:id="rId6"/>
+    <p:sldId id="259" r:id="rId7"/>
   </p:sldIdLst>
-  <p:sldSz cy="5143500" cx="9144000"/>
+  <p:sldSz cx="9144000" cy="5143500"/>
   <p:notesSz cx="6858000" cy="9144000"/>
   <p:defaultTextStyle>
-    <a:defPPr lvl="0" marR="0" rtl="0" algn="l">
+    <a:defPPr marR="0" lvl="0" algn="l" rtl="0">
       <a:lnSpc>
         <a:spcPct val="100000"/>
       </a:lnSpc>
@@ -27,7 +27,7 @@
         <a:spcPts val="0"/>
       </a:spcAft>
     </a:defPPr>
-    <a:lvl1pPr lvl="0" marR="0" rtl="0" algn="l">
+    <a:lvl1pPr marR="0" lvl="0" algn="l" rtl="0">
       <a:lnSpc>
         <a:spcPct val="100000"/>
       </a:lnSpc>
@@ -38,17 +38,17 @@
         <a:spcPts val="0"/>
       </a:spcAft>
       <a:buNone/>
-      <a:defRPr b="0" i="0" sz="1400" u="none" cap="none" strike="noStrike">
+      <a:defRPr sz="1400" b="0" i="0" u="none" strike="noStrike" cap="none">
         <a:solidFill>
           <a:srgbClr val="000000"/>
         </a:solidFill>
-        <a:latin typeface="Arial"/>
-        <a:ea typeface="Arial"/>
-        <a:cs typeface="Arial"/>
-        <a:sym typeface="Arial"/>
+        <a:latin typeface="Arial" panose="020B0604020202020204"/>
+        <a:ea typeface="Arial" panose="020B0604020202020204"/>
+        <a:cs typeface="Arial" panose="020B0604020202020204"/>
+        <a:sym typeface="Arial" panose="020B0604020202020204"/>
       </a:defRPr>
     </a:lvl1pPr>
-    <a:lvl2pPr lvl="1" marR="0" rtl="0" algn="l">
+    <a:lvl2pPr marR="0" lvl="1" algn="l" rtl="0">
       <a:lnSpc>
         <a:spcPct val="100000"/>
       </a:lnSpc>
@@ -59,17 +59,17 @@
         <a:spcPts val="0"/>
       </a:spcAft>
       <a:buNone/>
-      <a:defRPr b="0" i="0" sz="1400" u="none" cap="none" strike="noStrike">
+      <a:defRPr sz="1400" b="0" i="0" u="none" strike="noStrike" cap="none">
         <a:solidFill>
           <a:srgbClr val="000000"/>
         </a:solidFill>
-        <a:latin typeface="Arial"/>
-        <a:ea typeface="Arial"/>
-        <a:cs typeface="Arial"/>
-        <a:sym typeface="Arial"/>
+        <a:latin typeface="Arial" panose="020B0604020202020204"/>
+        <a:ea typeface="Arial" panose="020B0604020202020204"/>
+        <a:cs typeface="Arial" panose="020B0604020202020204"/>
+        <a:sym typeface="Arial" panose="020B0604020202020204"/>
       </a:defRPr>
     </a:lvl2pPr>
-    <a:lvl3pPr lvl="2" marR="0" rtl="0" algn="l">
+    <a:lvl3pPr marR="0" lvl="2" algn="l" rtl="0">
       <a:lnSpc>
         <a:spcPct val="100000"/>
       </a:lnSpc>
@@ -80,17 +80,17 @@
         <a:spcPts val="0"/>
       </a:spcAft>
       <a:buNone/>
-      <a:defRPr b="0" i="0" sz="1400" u="none" cap="none" strike="noStrike">
+      <a:defRPr sz="1400" b="0" i="0" u="none" strike="noStrike" cap="none">
         <a:solidFill>
           <a:srgbClr val="000000"/>
         </a:solidFill>
-        <a:latin typeface="Arial"/>
-        <a:ea typeface="Arial"/>
-        <a:cs typeface="Arial"/>
-        <a:sym typeface="Arial"/>
+        <a:latin typeface="Arial" panose="020B0604020202020204"/>
+        <a:ea typeface="Arial" panose="020B0604020202020204"/>
+        <a:cs typeface="Arial" panose="020B0604020202020204"/>
+        <a:sym typeface="Arial" panose="020B0604020202020204"/>
       </a:defRPr>
     </a:lvl3pPr>
-    <a:lvl4pPr lvl="3" marR="0" rtl="0" algn="l">
+    <a:lvl4pPr marR="0" lvl="3" algn="l" rtl="0">
       <a:lnSpc>
         <a:spcPct val="100000"/>
       </a:lnSpc>
@@ -101,17 +101,17 @@
         <a:spcPts val="0"/>
       </a:spcAft>
       <a:buNone/>
-      <a:defRPr b="0" i="0" sz="1400" u="none" cap="none" strike="noStrike">
+      <a:defRPr sz="1400" b="0" i="0" u="none" strike="noStrike" cap="none">
         <a:solidFill>
           <a:srgbClr val="000000"/>
         </a:solidFill>
-        <a:latin typeface="Arial"/>
-        <a:ea typeface="Arial"/>
-        <a:cs typeface="Arial"/>
-        <a:sym typeface="Arial"/>
+        <a:latin typeface="Arial" panose="020B0604020202020204"/>
+        <a:ea typeface="Arial" panose="020B0604020202020204"/>
+        <a:cs typeface="Arial" panose="020B0604020202020204"/>
+        <a:sym typeface="Arial" panose="020B0604020202020204"/>
       </a:defRPr>
     </a:lvl4pPr>
-    <a:lvl5pPr lvl="4" marR="0" rtl="0" algn="l">
+    <a:lvl5pPr marR="0" lvl="4" algn="l" rtl="0">
       <a:lnSpc>
         <a:spcPct val="100000"/>
       </a:lnSpc>
@@ -122,17 +122,17 @@
         <a:spcPts val="0"/>
       </a:spcAft>
       <a:buNone/>
-      <a:defRPr b="0" i="0" sz="1400" u="none" cap="none" strike="noStrike">
+      <a:defRPr sz="1400" b="0" i="0" u="none" strike="noStrike" cap="none">
         <a:solidFill>
           <a:srgbClr val="000000"/>
         </a:solidFill>
-        <a:latin typeface="Arial"/>
-        <a:ea typeface="Arial"/>
-        <a:cs typeface="Arial"/>
-        <a:sym typeface="Arial"/>
+        <a:latin typeface="Arial" panose="020B0604020202020204"/>
+        <a:ea typeface="Arial" panose="020B0604020202020204"/>
+        <a:cs typeface="Arial" panose="020B0604020202020204"/>
+        <a:sym typeface="Arial" panose="020B0604020202020204"/>
       </a:defRPr>
     </a:lvl5pPr>
-    <a:lvl6pPr lvl="5" marR="0" rtl="0" algn="l">
+    <a:lvl6pPr marR="0" lvl="5" algn="l" rtl="0">
       <a:lnSpc>
         <a:spcPct val="100000"/>
       </a:lnSpc>
@@ -143,17 +143,17 @@
         <a:spcPts val="0"/>
       </a:spcAft>
       <a:buNone/>
-      <a:defRPr b="0" i="0" sz="1400" u="none" cap="none" strike="noStrike">
+      <a:defRPr sz="1400" b="0" i="0" u="none" strike="noStrike" cap="none">
         <a:solidFill>
           <a:srgbClr val="000000"/>
         </a:solidFill>
-        <a:latin typeface="Arial"/>
-        <a:ea typeface="Arial"/>
-        <a:cs typeface="Arial"/>
-        <a:sym typeface="Arial"/>
+        <a:latin typeface="Arial" panose="020B0604020202020204"/>
+        <a:ea typeface="Arial" panose="020B0604020202020204"/>
+        <a:cs typeface="Arial" panose="020B0604020202020204"/>
+        <a:sym typeface="Arial" panose="020B0604020202020204"/>
       </a:defRPr>
     </a:lvl6pPr>
-    <a:lvl7pPr lvl="6" marR="0" rtl="0" algn="l">
+    <a:lvl7pPr marR="0" lvl="6" algn="l" rtl="0">
       <a:lnSpc>
         <a:spcPct val="100000"/>
       </a:lnSpc>
@@ -164,17 +164,17 @@
         <a:spcPts val="0"/>
       </a:spcAft>
       <a:buNone/>
-      <a:defRPr b="0" i="0" sz="1400" u="none" cap="none" strike="noStrike">
+      <a:defRPr sz="1400" b="0" i="0" u="none" strike="noStrike" cap="none">
         <a:solidFill>
           <a:srgbClr val="000000"/>
         </a:solidFill>
-        <a:latin typeface="Arial"/>
-        <a:ea typeface="Arial"/>
-        <a:cs typeface="Arial"/>
-        <a:sym typeface="Arial"/>
+        <a:latin typeface="Arial" panose="020B0604020202020204"/>
+        <a:ea typeface="Arial" panose="020B0604020202020204"/>
+        <a:cs typeface="Arial" panose="020B0604020202020204"/>
+        <a:sym typeface="Arial" panose="020B0604020202020204"/>
       </a:defRPr>
     </a:lvl7pPr>
-    <a:lvl8pPr lvl="7" marR="0" rtl="0" algn="l">
+    <a:lvl8pPr marR="0" lvl="7" algn="l" rtl="0">
       <a:lnSpc>
         <a:spcPct val="100000"/>
       </a:lnSpc>
@@ -185,17 +185,17 @@
         <a:spcPts val="0"/>
       </a:spcAft>
       <a:buNone/>
-      <a:defRPr b="0" i="0" sz="1400" u="none" cap="none" strike="noStrike">
+      <a:defRPr sz="1400" b="0" i="0" u="none" strike="noStrike" cap="none">
         <a:solidFill>
           <a:srgbClr val="000000"/>
         </a:solidFill>
-        <a:latin typeface="Arial"/>
-        <a:ea typeface="Arial"/>
-        <a:cs typeface="Arial"/>
-        <a:sym typeface="Arial"/>
+        <a:latin typeface="Arial" panose="020B0604020202020204"/>
+        <a:ea typeface="Arial" panose="020B0604020202020204"/>
+        <a:cs typeface="Arial" panose="020B0604020202020204"/>
+        <a:sym typeface="Arial" panose="020B0604020202020204"/>
       </a:defRPr>
     </a:lvl8pPr>
-    <a:lvl9pPr lvl="8" marR="0" rtl="0" algn="l">
+    <a:lvl9pPr marR="0" lvl="8" algn="l" rtl="0">
       <a:lnSpc>
         <a:spcPct val="100000"/>
       </a:lnSpc>
@@ -206,14 +206,14 @@
         <a:spcPts val="0"/>
       </a:spcAft>
       <a:buNone/>
-      <a:defRPr b="0" i="0" sz="1400" u="none" cap="none" strike="noStrike">
+      <a:defRPr sz="1400" b="0" i="0" u="none" strike="noStrike" cap="none">
         <a:solidFill>
           <a:srgbClr val="000000"/>
         </a:solidFill>
-        <a:latin typeface="Arial"/>
-        <a:ea typeface="Arial"/>
-        <a:cs typeface="Arial"/>
-        <a:sym typeface="Arial"/>
+        <a:latin typeface="Arial" panose="020B0604020202020204"/>
+        <a:ea typeface="Arial" panose="020B0604020202020204"/>
+        <a:cs typeface="Arial" panose="020B0604020202020204"/>
+        <a:sym typeface="Arial" panose="020B0604020202020204"/>
       </a:defRPr>
     </a:lvl9pPr>
   </p:defaultTextStyle>
@@ -221,8 +221,13 @@
 </file>
 
 <file path=ppt/notesMasters/notesMaster1.xml><?xml version="1.0" encoding="utf-8"?>
-<p:notesMaster xmlns:a="http://schemas.openxmlformats.org/drawingml/2006/main" xmlns:r="http://schemas.openxmlformats.org/officeDocument/2006/relationships" xmlns:mc="http://schemas.openxmlformats.org/markup-compatibility/2006" xmlns:mv="urn:schemas-microsoft-com:mac:vml" xmlns:p="http://schemas.openxmlformats.org/presentationml/2006/main" xmlns:c="http://schemas.openxmlformats.org/drawingml/2006/chart" xmlns:dgm="http://schemas.openxmlformats.org/drawingml/2006/diagram" xmlns:o="urn:schemas-microsoft-com:office:office" xmlns:v="urn:schemas-microsoft-com:vml" xmlns:pvml="urn:schemas-microsoft-com:office:powerpoint" xmlns:com="http://schemas.openxmlformats.org/drawingml/2006/compatibility" xmlns:p14="http://schemas.microsoft.com/office/powerpoint/2010/main">
+<p:notesMaster xmlns:a="http://schemas.openxmlformats.org/drawingml/2006/main" xmlns:r="http://schemas.openxmlformats.org/officeDocument/2006/relationships" xmlns:p="http://schemas.openxmlformats.org/presentationml/2006/main">
   <p:cSld>
+    <p:bg>
+      <p:bgRef idx="1001">
+        <a:schemeClr val="bg1"/>
+      </p:bgRef>
+    </p:bg>
     <p:spTree>
       <p:nvGrpSpPr>
         <p:cNvPr id="2" name="Shape 2"/>
@@ -242,7 +247,7 @@
           <p:cNvPr id="3" name="Shape 3"/>
           <p:cNvSpPr/>
           <p:nvPr>
-            <p:ph idx="2" type="sldImg"/>
+            <p:ph type="sldImg" idx="2"/>
           </p:nvPr>
         </p:nvSpPr>
         <p:spPr>
@@ -251,8 +256,12 @@
             <a:ext cx="6096075" cy="3429000"/>
           </a:xfrm>
           <a:custGeom>
+            <a:avLst/>
+            <a:gdLst/>
+            <a:ahLst/>
+            <a:cxnLst/>
             <a:pathLst>
-              <a:path extrusionOk="0" h="120000" w="120000">
+              <a:path w="120000" h="120000" extrusionOk="0">
                 <a:moveTo>
                   <a:pt x="0" y="0"/>
                 </a:moveTo>
@@ -270,14 +279,14 @@
             </a:pathLst>
           </a:custGeom>
           <a:noFill/>
-          <a:ln cap="flat" cmpd="sng" w="9525">
+          <a:ln w="9525" cap="flat" cmpd="sng">
             <a:solidFill>
               <a:srgbClr val="000000"/>
             </a:solidFill>
             <a:prstDash val="solid"/>
             <a:round/>
-            <a:headEnd len="med" w="med" type="none"/>
-            <a:tailEnd len="med" w="med" type="none"/>
+            <a:headEnd type="none" w="med" len="med"/>
+            <a:tailEnd type="none" w="med" len="med"/>
           </a:ln>
         </p:spPr>
       </p:sp>
@@ -286,7 +295,7 @@
           <p:cNvPr id="4" name="Shape 4"/>
           <p:cNvSpPr txBox="1"/>
           <p:nvPr>
-            <p:ph idx="1" type="body"/>
+            <p:ph type="body" idx="1"/>
           </p:nvPr>
         </p:nvSpPr>
         <p:spPr>
@@ -303,7 +312,7 @@
           </a:ln>
         </p:spPr>
         <p:txBody>
-          <a:bodyPr anchorCtr="0" anchor="t" bIns="91425" lIns="91425" rIns="91425" tIns="91425"/>
+          <a:bodyPr lIns="91425" tIns="91425" rIns="91425" bIns="91425" anchor="t" anchorCtr="0"/>
           <a:lstStyle>
             <a:lvl1pPr lvl="0">
               <a:spcBef>
@@ -365,12 +374,13 @@
       </p:sp>
     </p:spTree>
   </p:cSld>
-  <p:clrMap accent1="accent1" accent2="accent2" accent3="accent3" accent4="accent4" accent5="accent5" accent6="accent6" bg1="lt1" bg2="dk2" tx1="dk1" tx2="lt2" folHlink="folHlink" hlink="hlink"/>
+  <p:clrMap bg1="lt1" tx1="dk1" bg2="dk2" tx2="lt2" accent1="accent1" accent2="accent2" accent3="accent3" accent4="accent4" accent5="accent5" accent6="accent6" hlink="hlink" folHlink="folHlink"/>
+  <p:notesStyle/>
 </p:notesMaster>
 </file>
 
 <file path=ppt/notesSlides/notesSlide1.xml><?xml version="1.0" encoding="utf-8"?>
-<p:notes xmlns:a="http://schemas.openxmlformats.org/drawingml/2006/main" xmlns:r="http://schemas.openxmlformats.org/officeDocument/2006/relationships" xmlns:mc="http://schemas.openxmlformats.org/markup-compatibility/2006" xmlns:mv="urn:schemas-microsoft-com:mac:vml" xmlns:p="http://schemas.openxmlformats.org/presentationml/2006/main" xmlns:c="http://schemas.openxmlformats.org/drawingml/2006/chart" xmlns:dgm="http://schemas.openxmlformats.org/drawingml/2006/diagram" xmlns:o="urn:schemas-microsoft-com:office:office" xmlns:v="urn:schemas-microsoft-com:vml" xmlns:pvml="urn:schemas-microsoft-com:office:powerpoint" xmlns:com="http://schemas.openxmlformats.org/drawingml/2006/compatibility" xmlns:p14="http://schemas.microsoft.com/office/powerpoint/2010/main" showMasterPhAnim="0" showMasterSp="0">
+<p:notes xmlns:a="http://schemas.openxmlformats.org/drawingml/2006/main" xmlns:r="http://schemas.openxmlformats.org/officeDocument/2006/relationships" xmlns:p="http://schemas.openxmlformats.org/presentationml/2006/main" showMasterPhAnim="0" showMasterSp="0">
   <p:cSld>
     <p:spTree>
       <p:nvGrpSpPr>
@@ -391,7 +401,7 @@
           <p:cNvPr id="51" name="Shape 51"/>
           <p:cNvSpPr/>
           <p:nvPr>
-            <p:ph idx="2" type="sldImg"/>
+            <p:ph type="sldImg" idx="2"/>
           </p:nvPr>
         </p:nvSpPr>
         <p:spPr>
@@ -400,8 +410,12 @@
             <a:ext cx="6096075" cy="3429000"/>
           </a:xfrm>
           <a:custGeom>
+            <a:avLst/>
+            <a:gdLst/>
+            <a:ahLst/>
+            <a:cxnLst/>
             <a:pathLst>
-              <a:path extrusionOk="0" h="120000" w="120000">
+              <a:path w="120000" h="120000" extrusionOk="0">
                 <a:moveTo>
                   <a:pt x="0" y="0"/>
                 </a:moveTo>
@@ -425,7 +439,7 @@
           <p:cNvPr id="52" name="Shape 52"/>
           <p:cNvSpPr txBox="1"/>
           <p:nvPr>
-            <p:ph idx="1" type="body"/>
+            <p:ph type="body" idx="1"/>
           </p:nvPr>
         </p:nvSpPr>
         <p:spPr>
@@ -438,7 +452,7 @@
           </a:prstGeom>
         </p:spPr>
         <p:txBody>
-          <a:bodyPr anchorCtr="0" anchor="t" bIns="91425" lIns="91425" rIns="91425" tIns="91425">
+          <a:bodyPr lIns="91425" tIns="91425" rIns="91425" bIns="91425" anchor="t" anchorCtr="0">
             <a:noAutofit/>
           </a:bodyPr>
           <a:lstStyle/>
@@ -449,10 +463,6 @@
               </a:spcBef>
               <a:buNone/>
             </a:pPr>
-            <a:r>
-              <a:t/>
-            </a:r>
-            <a:endParaRPr/>
           </a:p>
         </p:txBody>
       </p:sp>
@@ -465,7 +475,7 @@
 </file>
 
 <file path=ppt/notesSlides/notesSlide2.xml><?xml version="1.0" encoding="utf-8"?>
-<p:notes xmlns:a="http://schemas.openxmlformats.org/drawingml/2006/main" xmlns:r="http://schemas.openxmlformats.org/officeDocument/2006/relationships" xmlns:mc="http://schemas.openxmlformats.org/markup-compatibility/2006" xmlns:mv="urn:schemas-microsoft-com:mac:vml" xmlns:p="http://schemas.openxmlformats.org/presentationml/2006/main" xmlns:c="http://schemas.openxmlformats.org/drawingml/2006/chart" xmlns:dgm="http://schemas.openxmlformats.org/drawingml/2006/diagram" xmlns:o="urn:schemas-microsoft-com:office:office" xmlns:v="urn:schemas-microsoft-com:vml" xmlns:pvml="urn:schemas-microsoft-com:office:powerpoint" xmlns:com="http://schemas.openxmlformats.org/drawingml/2006/compatibility" xmlns:p14="http://schemas.microsoft.com/office/powerpoint/2010/main" showMasterPhAnim="0" showMasterSp="0">
+<p:notes xmlns:a="http://schemas.openxmlformats.org/drawingml/2006/main" xmlns:r="http://schemas.openxmlformats.org/officeDocument/2006/relationships" xmlns:p="http://schemas.openxmlformats.org/presentationml/2006/main" showMasterPhAnim="0" showMasterSp="0">
   <p:cSld>
     <p:spTree>
       <p:nvGrpSpPr>
@@ -486,7 +496,7 @@
           <p:cNvPr id="56" name="Shape 56"/>
           <p:cNvSpPr/>
           <p:nvPr>
-            <p:ph idx="2" type="sldImg"/>
+            <p:ph type="sldImg" idx="2"/>
           </p:nvPr>
         </p:nvSpPr>
         <p:spPr>
@@ -495,8 +505,12 @@
             <a:ext cx="6096000" cy="3429000"/>
           </a:xfrm>
           <a:custGeom>
+            <a:avLst/>
+            <a:gdLst/>
+            <a:ahLst/>
+            <a:cxnLst/>
             <a:pathLst>
-              <a:path extrusionOk="0" h="120000" w="120000">
+              <a:path w="120000" h="120000" extrusionOk="0">
                 <a:moveTo>
                   <a:pt x="0" y="0"/>
                 </a:moveTo>
@@ -520,7 +534,7 @@
           <p:cNvPr id="57" name="Shape 57"/>
           <p:cNvSpPr txBox="1"/>
           <p:nvPr>
-            <p:ph idx="1" type="body"/>
+            <p:ph type="body" idx="1"/>
           </p:nvPr>
         </p:nvSpPr>
         <p:spPr>
@@ -533,7 +547,7 @@
           </a:prstGeom>
         </p:spPr>
         <p:txBody>
-          <a:bodyPr anchorCtr="0" anchor="t" bIns="91425" lIns="91425" rIns="91425" tIns="91425">
+          <a:bodyPr lIns="91425" tIns="91425" rIns="91425" bIns="91425" anchor="t" anchorCtr="0">
             <a:noAutofit/>
           </a:bodyPr>
           <a:lstStyle/>
@@ -544,10 +558,6 @@
               </a:spcBef>
               <a:buNone/>
             </a:pPr>
-            <a:r>
-              <a:t/>
-            </a:r>
-            <a:endParaRPr/>
           </a:p>
         </p:txBody>
       </p:sp>
@@ -560,7 +570,7 @@
 </file>
 
 <file path=ppt/notesSlides/notesSlide3.xml><?xml version="1.0" encoding="utf-8"?>
-<p:notes xmlns:a="http://schemas.openxmlformats.org/drawingml/2006/main" xmlns:r="http://schemas.openxmlformats.org/officeDocument/2006/relationships" xmlns:mc="http://schemas.openxmlformats.org/markup-compatibility/2006" xmlns:mv="urn:schemas-microsoft-com:mac:vml" xmlns:p="http://schemas.openxmlformats.org/presentationml/2006/main" xmlns:c="http://schemas.openxmlformats.org/drawingml/2006/chart" xmlns:dgm="http://schemas.openxmlformats.org/drawingml/2006/diagram" xmlns:o="urn:schemas-microsoft-com:office:office" xmlns:v="urn:schemas-microsoft-com:vml" xmlns:pvml="urn:schemas-microsoft-com:office:powerpoint" xmlns:com="http://schemas.openxmlformats.org/drawingml/2006/compatibility" xmlns:p14="http://schemas.microsoft.com/office/powerpoint/2010/main" showMasterPhAnim="0" showMasterSp="0">
+<p:notes xmlns:a="http://schemas.openxmlformats.org/drawingml/2006/main" xmlns:r="http://schemas.openxmlformats.org/officeDocument/2006/relationships" xmlns:p="http://schemas.openxmlformats.org/presentationml/2006/main" showMasterPhAnim="0" showMasterSp="0">
   <p:cSld>
     <p:spTree>
       <p:nvGrpSpPr>
@@ -581,7 +591,7 @@
           <p:cNvPr id="62" name="Shape 62"/>
           <p:cNvSpPr/>
           <p:nvPr>
-            <p:ph idx="2" type="sldImg"/>
+            <p:ph type="sldImg" idx="2"/>
           </p:nvPr>
         </p:nvSpPr>
         <p:spPr>
@@ -590,8 +600,12 @@
             <a:ext cx="6096000" cy="3429000"/>
           </a:xfrm>
           <a:custGeom>
+            <a:avLst/>
+            <a:gdLst/>
+            <a:ahLst/>
+            <a:cxnLst/>
             <a:pathLst>
-              <a:path extrusionOk="0" h="120000" w="120000">
+              <a:path w="120000" h="120000" extrusionOk="0">
                 <a:moveTo>
                   <a:pt x="0" y="0"/>
                 </a:moveTo>
@@ -615,7 +629,7 @@
           <p:cNvPr id="63" name="Shape 63"/>
           <p:cNvSpPr txBox="1"/>
           <p:nvPr>
-            <p:ph idx="1" type="body"/>
+            <p:ph type="body" idx="1"/>
           </p:nvPr>
         </p:nvSpPr>
         <p:spPr>
@@ -628,7 +642,7 @@
           </a:prstGeom>
         </p:spPr>
         <p:txBody>
-          <a:bodyPr anchorCtr="0" anchor="t" bIns="91425" lIns="91425" rIns="91425" tIns="91425">
+          <a:bodyPr lIns="91425" tIns="91425" rIns="91425" bIns="91425" anchor="t" anchorCtr="0">
             <a:noAutofit/>
           </a:bodyPr>
           <a:lstStyle/>
@@ -639,10 +653,6 @@
               </a:spcBef>
               <a:buNone/>
             </a:pPr>
-            <a:r>
-              <a:t/>
-            </a:r>
-            <a:endParaRPr/>
           </a:p>
         </p:txBody>
       </p:sp>
@@ -655,7 +665,7 @@
 </file>
 
 <file path=ppt/notesSlides/notesSlide4.xml><?xml version="1.0" encoding="utf-8"?>
-<p:notes xmlns:a="http://schemas.openxmlformats.org/drawingml/2006/main" xmlns:r="http://schemas.openxmlformats.org/officeDocument/2006/relationships" xmlns:mc="http://schemas.openxmlformats.org/markup-compatibility/2006" xmlns:mv="urn:schemas-microsoft-com:mac:vml" xmlns:p="http://schemas.openxmlformats.org/presentationml/2006/main" xmlns:c="http://schemas.openxmlformats.org/drawingml/2006/chart" xmlns:dgm="http://schemas.openxmlformats.org/drawingml/2006/diagram" xmlns:o="urn:schemas-microsoft-com:office:office" xmlns:v="urn:schemas-microsoft-com:vml" xmlns:pvml="urn:schemas-microsoft-com:office:powerpoint" xmlns:com="http://schemas.openxmlformats.org/drawingml/2006/compatibility" xmlns:p14="http://schemas.microsoft.com/office/powerpoint/2010/main" showMasterPhAnim="0" showMasterSp="0">
+<p:notes xmlns:a="http://schemas.openxmlformats.org/drawingml/2006/main" xmlns:r="http://schemas.openxmlformats.org/officeDocument/2006/relationships" xmlns:p="http://schemas.openxmlformats.org/presentationml/2006/main" showMasterPhAnim="0" showMasterSp="0">
   <p:cSld>
     <p:spTree>
       <p:nvGrpSpPr>
@@ -676,7 +686,7 @@
           <p:cNvPr id="68" name="Shape 68"/>
           <p:cNvSpPr/>
           <p:nvPr>
-            <p:ph idx="2" type="sldImg"/>
+            <p:ph type="sldImg" idx="2"/>
           </p:nvPr>
         </p:nvSpPr>
         <p:spPr>
@@ -685,8 +695,12 @@
             <a:ext cx="6096000" cy="3429000"/>
           </a:xfrm>
           <a:custGeom>
+            <a:avLst/>
+            <a:gdLst/>
+            <a:ahLst/>
+            <a:cxnLst/>
             <a:pathLst>
-              <a:path extrusionOk="0" h="120000" w="120000">
+              <a:path w="120000" h="120000" extrusionOk="0">
                 <a:moveTo>
                   <a:pt x="0" y="0"/>
                 </a:moveTo>
@@ -710,7 +724,7 @@
           <p:cNvPr id="69" name="Shape 69"/>
           <p:cNvSpPr txBox="1"/>
           <p:nvPr>
-            <p:ph idx="1" type="body"/>
+            <p:ph type="body" idx="1"/>
           </p:nvPr>
         </p:nvSpPr>
         <p:spPr>
@@ -723,7 +737,7 @@
           </a:prstGeom>
         </p:spPr>
         <p:txBody>
-          <a:bodyPr anchorCtr="0" anchor="t" bIns="91425" lIns="91425" rIns="91425" tIns="91425">
+          <a:bodyPr lIns="91425" tIns="91425" rIns="91425" bIns="91425" anchor="t" anchorCtr="0">
             <a:noAutofit/>
           </a:bodyPr>
           <a:lstStyle/>
@@ -734,10 +748,6 @@
               </a:spcBef>
               <a:buNone/>
             </a:pPr>
-            <a:r>
-              <a:t/>
-            </a:r>
-            <a:endParaRPr/>
           </a:p>
         </p:txBody>
       </p:sp>
@@ -750,7 +760,7 @@
 </file>
 
 <file path=ppt/slideLayouts/slideLayout1.xml><?xml version="1.0" encoding="utf-8"?>
-<p:sldLayout xmlns:a="http://schemas.openxmlformats.org/drawingml/2006/main" xmlns:r="http://schemas.openxmlformats.org/officeDocument/2006/relationships" xmlns:mc="http://schemas.openxmlformats.org/markup-compatibility/2006" xmlns:mv="urn:schemas-microsoft-com:mac:vml" xmlns:p="http://schemas.openxmlformats.org/presentationml/2006/main" xmlns:c="http://schemas.openxmlformats.org/drawingml/2006/chart" xmlns:dgm="http://schemas.openxmlformats.org/drawingml/2006/diagram" xmlns:o="urn:schemas-microsoft-com:office:office" xmlns:v="urn:schemas-microsoft-com:vml" xmlns:pvml="urn:schemas-microsoft-com:office:powerpoint" xmlns:com="http://schemas.openxmlformats.org/drawingml/2006/compatibility" xmlns:p14="http://schemas.microsoft.com/office/powerpoint/2010/main" type="title">
+<p:sldLayout xmlns:a="http://schemas.openxmlformats.org/drawingml/2006/main" xmlns:r="http://schemas.openxmlformats.org/officeDocument/2006/relationships" xmlns:p="http://schemas.openxmlformats.org/presentationml/2006/main" type="title">
   <p:cSld name="Title slide">
     <p:spTree>
       <p:nvGrpSpPr>
@@ -784,7 +794,7 @@
           </a:prstGeom>
         </p:spPr>
         <p:txBody>
-          <a:bodyPr anchorCtr="0" anchor="b" bIns="91425" lIns="91425" rIns="91425" tIns="91425"/>
+          <a:bodyPr lIns="91425" tIns="91425" rIns="91425" bIns="91425" anchor="b" anchorCtr="0"/>
           <a:lstStyle>
             <a:lvl1pPr lvl="0" algn="ctr">
               <a:spcBef>
@@ -858,7 +868,7 @@
           <p:cNvPr id="11" name="Shape 11"/>
           <p:cNvSpPr txBox="1"/>
           <p:nvPr>
-            <p:ph idx="1" type="subTitle"/>
+            <p:ph type="subTitle" idx="1"/>
           </p:nvPr>
         </p:nvSpPr>
         <p:spPr>
@@ -871,7 +881,7 @@
           </a:prstGeom>
         </p:spPr>
         <p:txBody>
-          <a:bodyPr anchorCtr="0" anchor="t" bIns="91425" lIns="91425" rIns="91425" tIns="91425"/>
+          <a:bodyPr lIns="91425" tIns="91425" rIns="91425" bIns="91425" anchor="t" anchorCtr="0"/>
           <a:lstStyle>
             <a:lvl1pPr lvl="0" algn="ctr">
               <a:lnSpc>
@@ -1008,7 +1018,7 @@
           <p:cNvPr id="12" name="Shape 12"/>
           <p:cNvSpPr txBox="1"/>
           <p:nvPr>
-            <p:ph idx="12" type="sldNum"/>
+            <p:ph type="sldNum" idx="12"/>
           </p:nvPr>
         </p:nvSpPr>
         <p:spPr>
@@ -1021,7 +1031,7 @@
           </a:prstGeom>
         </p:spPr>
         <p:txBody>
-          <a:bodyPr anchorCtr="0" anchor="ctr" bIns="91425" lIns="91425" rIns="91425" tIns="91425">
+          <a:bodyPr lIns="91425" tIns="91425" rIns="91425" bIns="91425" anchor="ctr" anchorCtr="0">
             <a:noAutofit/>
           </a:bodyPr>
           <a:lstStyle/>
@@ -1034,8 +1044,8 @@
             </a:pPr>
             <a:fld id="{00000000-1234-1234-1234-123412341234}" type="slidenum">
               <a:rPr lang="en-GB"/>
-              <a:t>‹#›</a:t>
             </a:fld>
+            <a:endParaRPr lang="en-GB"/>
           </a:p>
         </p:txBody>
       </p:sp>
@@ -1048,7 +1058,7 @@
 </file>
 
 <file path=ppt/slideLayouts/slideLayout10.xml><?xml version="1.0" encoding="utf-8"?>
-<p:sldLayout xmlns:a="http://schemas.openxmlformats.org/drawingml/2006/main" xmlns:r="http://schemas.openxmlformats.org/officeDocument/2006/relationships" xmlns:mc="http://schemas.openxmlformats.org/markup-compatibility/2006" xmlns:mv="urn:schemas-microsoft-com:mac:vml" xmlns:p="http://schemas.openxmlformats.org/presentationml/2006/main" xmlns:c="http://schemas.openxmlformats.org/drawingml/2006/chart" xmlns:dgm="http://schemas.openxmlformats.org/drawingml/2006/diagram" xmlns:o="urn:schemas-microsoft-com:office:office" xmlns:v="urn:schemas-microsoft-com:vml" xmlns:pvml="urn:schemas-microsoft-com:office:powerpoint" xmlns:com="http://schemas.openxmlformats.org/drawingml/2006/compatibility" xmlns:p14="http://schemas.microsoft.com/office/powerpoint/2010/main">
+<p:sldLayout xmlns:a="http://schemas.openxmlformats.org/drawingml/2006/main" xmlns:r="http://schemas.openxmlformats.org/officeDocument/2006/relationships" xmlns:p="http://schemas.openxmlformats.org/presentationml/2006/main">
   <p:cSld name="Big number">
     <p:spTree>
       <p:nvGrpSpPr>
@@ -1082,7 +1092,7 @@
           </a:prstGeom>
         </p:spPr>
         <p:txBody>
-          <a:bodyPr anchorCtr="0" anchor="b" bIns="91425" lIns="91425" rIns="91425" tIns="91425"/>
+          <a:bodyPr lIns="91425" tIns="91425" rIns="91425" bIns="91425" anchor="b" anchorCtr="0"/>
           <a:lstStyle>
             <a:lvl1pPr lvl="0" algn="ctr">
               <a:spcBef>
@@ -1156,7 +1166,7 @@
           <p:cNvPr id="46" name="Shape 46"/>
           <p:cNvSpPr txBox="1"/>
           <p:nvPr>
-            <p:ph idx="1" type="body"/>
+            <p:ph type="body" idx="1"/>
           </p:nvPr>
         </p:nvSpPr>
         <p:spPr>
@@ -1169,7 +1179,7 @@
           </a:prstGeom>
         </p:spPr>
         <p:txBody>
-          <a:bodyPr anchorCtr="0" anchor="t" bIns="91425" lIns="91425" rIns="91425" tIns="91425"/>
+          <a:bodyPr lIns="91425" tIns="91425" rIns="91425" bIns="91425" anchor="t" anchorCtr="0"/>
           <a:lstStyle>
             <a:lvl1pPr lvl="0" algn="ctr">
               <a:spcBef>
@@ -1234,7 +1244,7 @@
           <p:cNvPr id="47" name="Shape 47"/>
           <p:cNvSpPr txBox="1"/>
           <p:nvPr>
-            <p:ph idx="12" type="sldNum"/>
+            <p:ph type="sldNum" idx="12"/>
           </p:nvPr>
         </p:nvSpPr>
         <p:spPr>
@@ -1247,7 +1257,7 @@
           </a:prstGeom>
         </p:spPr>
         <p:txBody>
-          <a:bodyPr anchorCtr="0" anchor="ctr" bIns="91425" lIns="91425" rIns="91425" tIns="91425">
+          <a:bodyPr lIns="91425" tIns="91425" rIns="91425" bIns="91425" anchor="ctr" anchorCtr="0">
             <a:noAutofit/>
           </a:bodyPr>
           <a:lstStyle/>
@@ -1260,8 +1270,8 @@
             </a:pPr>
             <a:fld id="{00000000-1234-1234-1234-123412341234}" type="slidenum">
               <a:rPr lang="en-GB"/>
-              <a:t>‹#›</a:t>
             </a:fld>
+            <a:endParaRPr lang="en-GB"/>
           </a:p>
         </p:txBody>
       </p:sp>
@@ -1274,7 +1284,7 @@
 </file>
 
 <file path=ppt/slideLayouts/slideLayout11.xml><?xml version="1.0" encoding="utf-8"?>
-<p:sldLayout xmlns:a="http://schemas.openxmlformats.org/drawingml/2006/main" xmlns:r="http://schemas.openxmlformats.org/officeDocument/2006/relationships" xmlns:mc="http://schemas.openxmlformats.org/markup-compatibility/2006" xmlns:mv="urn:schemas-microsoft-com:mac:vml" xmlns:p="http://schemas.openxmlformats.org/presentationml/2006/main" xmlns:c="http://schemas.openxmlformats.org/drawingml/2006/chart" xmlns:dgm="http://schemas.openxmlformats.org/drawingml/2006/diagram" xmlns:o="urn:schemas-microsoft-com:office:office" xmlns:v="urn:schemas-microsoft-com:vml" xmlns:pvml="urn:schemas-microsoft-com:office:powerpoint" xmlns:com="http://schemas.openxmlformats.org/drawingml/2006/compatibility" xmlns:p14="http://schemas.microsoft.com/office/powerpoint/2010/main" type="blank">
+<p:sldLayout xmlns:a="http://schemas.openxmlformats.org/drawingml/2006/main" xmlns:r="http://schemas.openxmlformats.org/officeDocument/2006/relationships" xmlns:p="http://schemas.openxmlformats.org/presentationml/2006/main" type="blank">
   <p:cSld name="Blank">
     <p:spTree>
       <p:nvGrpSpPr>
@@ -1295,7 +1305,7 @@
           <p:cNvPr id="49" name="Shape 49"/>
           <p:cNvSpPr txBox="1"/>
           <p:nvPr>
-            <p:ph idx="12" type="sldNum"/>
+            <p:ph type="sldNum" idx="12"/>
           </p:nvPr>
         </p:nvSpPr>
         <p:spPr>
@@ -1308,7 +1318,7 @@
           </a:prstGeom>
         </p:spPr>
         <p:txBody>
-          <a:bodyPr anchorCtr="0" anchor="ctr" bIns="91425" lIns="91425" rIns="91425" tIns="91425">
+          <a:bodyPr lIns="91425" tIns="91425" rIns="91425" bIns="91425" anchor="ctr" anchorCtr="0">
             <a:noAutofit/>
           </a:bodyPr>
           <a:lstStyle/>
@@ -1321,8 +1331,8 @@
             </a:pPr>
             <a:fld id="{00000000-1234-1234-1234-123412341234}" type="slidenum">
               <a:rPr lang="en-GB"/>
-              <a:t>‹#›</a:t>
             </a:fld>
+            <a:endParaRPr lang="en-GB"/>
           </a:p>
         </p:txBody>
       </p:sp>
@@ -1335,7 +1345,7 @@
 </file>
 
 <file path=ppt/slideLayouts/slideLayout2.xml><?xml version="1.0" encoding="utf-8"?>
-<p:sldLayout xmlns:a="http://schemas.openxmlformats.org/drawingml/2006/main" xmlns:r="http://schemas.openxmlformats.org/officeDocument/2006/relationships" xmlns:mc="http://schemas.openxmlformats.org/markup-compatibility/2006" xmlns:mv="urn:schemas-microsoft-com:mac:vml" xmlns:p="http://schemas.openxmlformats.org/presentationml/2006/main" xmlns:c="http://schemas.openxmlformats.org/drawingml/2006/chart" xmlns:dgm="http://schemas.openxmlformats.org/drawingml/2006/diagram" xmlns:o="urn:schemas-microsoft-com:office:office" xmlns:v="urn:schemas-microsoft-com:vml" xmlns:pvml="urn:schemas-microsoft-com:office:powerpoint" xmlns:com="http://schemas.openxmlformats.org/drawingml/2006/compatibility" xmlns:p14="http://schemas.microsoft.com/office/powerpoint/2010/main" type="secHead">
+<p:sldLayout xmlns:a="http://schemas.openxmlformats.org/drawingml/2006/main" xmlns:r="http://schemas.openxmlformats.org/officeDocument/2006/relationships" xmlns:p="http://schemas.openxmlformats.org/presentationml/2006/main" type="secHead">
   <p:cSld name="Section header">
     <p:spTree>
       <p:nvGrpSpPr>
@@ -1369,7 +1379,7 @@
           </a:prstGeom>
         </p:spPr>
         <p:txBody>
-          <a:bodyPr anchorCtr="0" anchor="ctr" bIns="91425" lIns="91425" rIns="91425" tIns="91425"/>
+          <a:bodyPr lIns="91425" tIns="91425" rIns="91425" bIns="91425" anchor="ctr" anchorCtr="0"/>
           <a:lstStyle>
             <a:lvl1pPr lvl="0" algn="ctr">
               <a:spcBef>
@@ -1443,7 +1453,7 @@
           <p:cNvPr id="15" name="Shape 15"/>
           <p:cNvSpPr txBox="1"/>
           <p:nvPr>
-            <p:ph idx="12" type="sldNum"/>
+            <p:ph type="sldNum" idx="12"/>
           </p:nvPr>
         </p:nvSpPr>
         <p:spPr>
@@ -1456,7 +1466,7 @@
           </a:prstGeom>
         </p:spPr>
         <p:txBody>
-          <a:bodyPr anchorCtr="0" anchor="ctr" bIns="91425" lIns="91425" rIns="91425" tIns="91425">
+          <a:bodyPr lIns="91425" tIns="91425" rIns="91425" bIns="91425" anchor="ctr" anchorCtr="0">
             <a:noAutofit/>
           </a:bodyPr>
           <a:lstStyle/>
@@ -1469,8 +1479,8 @@
             </a:pPr>
             <a:fld id="{00000000-1234-1234-1234-123412341234}" type="slidenum">
               <a:rPr lang="en-GB"/>
-              <a:t>‹#›</a:t>
             </a:fld>
+            <a:endParaRPr lang="en-GB"/>
           </a:p>
         </p:txBody>
       </p:sp>
@@ -1483,7 +1493,7 @@
 </file>
 
 <file path=ppt/slideLayouts/slideLayout3.xml><?xml version="1.0" encoding="utf-8"?>
-<p:sldLayout xmlns:a="http://schemas.openxmlformats.org/drawingml/2006/main" xmlns:r="http://schemas.openxmlformats.org/officeDocument/2006/relationships" xmlns:mc="http://schemas.openxmlformats.org/markup-compatibility/2006" xmlns:mv="urn:schemas-microsoft-com:mac:vml" xmlns:p="http://schemas.openxmlformats.org/presentationml/2006/main" xmlns:c="http://schemas.openxmlformats.org/drawingml/2006/chart" xmlns:dgm="http://schemas.openxmlformats.org/drawingml/2006/diagram" xmlns:o="urn:schemas-microsoft-com:office:office" xmlns:v="urn:schemas-microsoft-com:vml" xmlns:pvml="urn:schemas-microsoft-com:office:powerpoint" xmlns:com="http://schemas.openxmlformats.org/drawingml/2006/compatibility" xmlns:p14="http://schemas.microsoft.com/office/powerpoint/2010/main" type="tx">
+<p:sldLayout xmlns:a="http://schemas.openxmlformats.org/drawingml/2006/main" xmlns:r="http://schemas.openxmlformats.org/officeDocument/2006/relationships" xmlns:p="http://schemas.openxmlformats.org/presentationml/2006/main" type="tx">
   <p:cSld name="Title and body">
     <p:spTree>
       <p:nvGrpSpPr>
@@ -1517,7 +1527,7 @@
           </a:prstGeom>
         </p:spPr>
         <p:txBody>
-          <a:bodyPr anchorCtr="0" anchor="t" bIns="91425" lIns="91425" rIns="91425" tIns="91425"/>
+          <a:bodyPr lIns="91425" tIns="91425" rIns="91425" bIns="91425" anchor="t" anchorCtr="0"/>
           <a:lstStyle>
             <a:lvl1pPr lvl="0">
               <a:spcBef>
@@ -1582,7 +1592,7 @@
           <p:cNvPr id="18" name="Shape 18"/>
           <p:cNvSpPr txBox="1"/>
           <p:nvPr>
-            <p:ph idx="1" type="body"/>
+            <p:ph type="body" idx="1"/>
           </p:nvPr>
         </p:nvSpPr>
         <p:spPr>
@@ -1595,7 +1605,7 @@
           </a:prstGeom>
         </p:spPr>
         <p:txBody>
-          <a:bodyPr anchorCtr="0" anchor="t" bIns="91425" lIns="91425" rIns="91425" tIns="91425"/>
+          <a:bodyPr lIns="91425" tIns="91425" rIns="91425" bIns="91425" anchor="t" anchorCtr="0"/>
           <a:lstStyle>
             <a:lvl1pPr lvl="0">
               <a:spcBef>
@@ -1660,7 +1670,7 @@
           <p:cNvPr id="19" name="Shape 19"/>
           <p:cNvSpPr txBox="1"/>
           <p:nvPr>
-            <p:ph idx="12" type="sldNum"/>
+            <p:ph type="sldNum" idx="12"/>
           </p:nvPr>
         </p:nvSpPr>
         <p:spPr>
@@ -1673,7 +1683,7 @@
           </a:prstGeom>
         </p:spPr>
         <p:txBody>
-          <a:bodyPr anchorCtr="0" anchor="ctr" bIns="91425" lIns="91425" rIns="91425" tIns="91425">
+          <a:bodyPr lIns="91425" tIns="91425" rIns="91425" bIns="91425" anchor="ctr" anchorCtr="0">
             <a:noAutofit/>
           </a:bodyPr>
           <a:lstStyle/>
@@ -1686,8 +1696,8 @@
             </a:pPr>
             <a:fld id="{00000000-1234-1234-1234-123412341234}" type="slidenum">
               <a:rPr lang="en-GB"/>
-              <a:t>‹#›</a:t>
             </a:fld>
+            <a:endParaRPr lang="en-GB"/>
           </a:p>
         </p:txBody>
       </p:sp>
@@ -1700,7 +1710,7 @@
 </file>
 
 <file path=ppt/slideLayouts/slideLayout4.xml><?xml version="1.0" encoding="utf-8"?>
-<p:sldLayout xmlns:a="http://schemas.openxmlformats.org/drawingml/2006/main" xmlns:r="http://schemas.openxmlformats.org/officeDocument/2006/relationships" xmlns:mc="http://schemas.openxmlformats.org/markup-compatibility/2006" xmlns:mv="urn:schemas-microsoft-com:mac:vml" xmlns:p="http://schemas.openxmlformats.org/presentationml/2006/main" xmlns:c="http://schemas.openxmlformats.org/drawingml/2006/chart" xmlns:dgm="http://schemas.openxmlformats.org/drawingml/2006/diagram" xmlns:o="urn:schemas-microsoft-com:office:office" xmlns:v="urn:schemas-microsoft-com:vml" xmlns:pvml="urn:schemas-microsoft-com:office:powerpoint" xmlns:com="http://schemas.openxmlformats.org/drawingml/2006/compatibility" xmlns:p14="http://schemas.microsoft.com/office/powerpoint/2010/main" type="twoColTx">
+<p:sldLayout xmlns:a="http://schemas.openxmlformats.org/drawingml/2006/main" xmlns:r="http://schemas.openxmlformats.org/officeDocument/2006/relationships" xmlns:p="http://schemas.openxmlformats.org/presentationml/2006/main" type="twoColTx">
   <p:cSld name="Title and two columns">
     <p:spTree>
       <p:nvGrpSpPr>
@@ -1734,7 +1744,7 @@
           </a:prstGeom>
         </p:spPr>
         <p:txBody>
-          <a:bodyPr anchorCtr="0" anchor="t" bIns="91425" lIns="91425" rIns="91425" tIns="91425"/>
+          <a:bodyPr lIns="91425" tIns="91425" rIns="91425" bIns="91425" anchor="t" anchorCtr="0"/>
           <a:lstStyle>
             <a:lvl1pPr lvl="0">
               <a:spcBef>
@@ -1799,7 +1809,7 @@
           <p:cNvPr id="22" name="Shape 22"/>
           <p:cNvSpPr txBox="1"/>
           <p:nvPr>
-            <p:ph idx="1" type="body"/>
+            <p:ph type="body" idx="1"/>
           </p:nvPr>
         </p:nvSpPr>
         <p:spPr>
@@ -1812,7 +1822,7 @@
           </a:prstGeom>
         </p:spPr>
         <p:txBody>
-          <a:bodyPr anchorCtr="0" anchor="t" bIns="91425" lIns="91425" rIns="91425" tIns="91425"/>
+          <a:bodyPr lIns="91425" tIns="91425" rIns="91425" bIns="91425" anchor="t" anchorCtr="0"/>
           <a:lstStyle>
             <a:lvl1pPr lvl="0">
               <a:spcBef>
@@ -1886,7 +1896,7 @@
           <p:cNvPr id="23" name="Shape 23"/>
           <p:cNvSpPr txBox="1"/>
           <p:nvPr>
-            <p:ph idx="2" type="body"/>
+            <p:ph type="body" idx="2"/>
           </p:nvPr>
         </p:nvSpPr>
         <p:spPr>
@@ -1899,7 +1909,7 @@
           </a:prstGeom>
         </p:spPr>
         <p:txBody>
-          <a:bodyPr anchorCtr="0" anchor="t" bIns="91425" lIns="91425" rIns="91425" tIns="91425"/>
+          <a:bodyPr lIns="91425" tIns="91425" rIns="91425" bIns="91425" anchor="t" anchorCtr="0"/>
           <a:lstStyle>
             <a:lvl1pPr lvl="0">
               <a:spcBef>
@@ -1973,7 +1983,7 @@
           <p:cNvPr id="24" name="Shape 24"/>
           <p:cNvSpPr txBox="1"/>
           <p:nvPr>
-            <p:ph idx="12" type="sldNum"/>
+            <p:ph type="sldNum" idx="12"/>
           </p:nvPr>
         </p:nvSpPr>
         <p:spPr>
@@ -1986,7 +1996,7 @@
           </a:prstGeom>
         </p:spPr>
         <p:txBody>
-          <a:bodyPr anchorCtr="0" anchor="ctr" bIns="91425" lIns="91425" rIns="91425" tIns="91425">
+          <a:bodyPr lIns="91425" tIns="91425" rIns="91425" bIns="91425" anchor="ctr" anchorCtr="0">
             <a:noAutofit/>
           </a:bodyPr>
           <a:lstStyle/>
@@ -1999,8 +2009,8 @@
             </a:pPr>
             <a:fld id="{00000000-1234-1234-1234-123412341234}" type="slidenum">
               <a:rPr lang="en-GB"/>
-              <a:t>‹#›</a:t>
             </a:fld>
+            <a:endParaRPr lang="en-GB"/>
           </a:p>
         </p:txBody>
       </p:sp>
@@ -2013,7 +2023,7 @@
 </file>
 
 <file path=ppt/slideLayouts/slideLayout5.xml><?xml version="1.0" encoding="utf-8"?>
-<p:sldLayout xmlns:a="http://schemas.openxmlformats.org/drawingml/2006/main" xmlns:r="http://schemas.openxmlformats.org/officeDocument/2006/relationships" xmlns:mc="http://schemas.openxmlformats.org/markup-compatibility/2006" xmlns:mv="urn:schemas-microsoft-com:mac:vml" xmlns:p="http://schemas.openxmlformats.org/presentationml/2006/main" xmlns:c="http://schemas.openxmlformats.org/drawingml/2006/chart" xmlns:dgm="http://schemas.openxmlformats.org/drawingml/2006/diagram" xmlns:o="urn:schemas-microsoft-com:office:office" xmlns:v="urn:schemas-microsoft-com:vml" xmlns:pvml="urn:schemas-microsoft-com:office:powerpoint" xmlns:com="http://schemas.openxmlformats.org/drawingml/2006/compatibility" xmlns:p14="http://schemas.microsoft.com/office/powerpoint/2010/main" type="titleOnly">
+<p:sldLayout xmlns:a="http://schemas.openxmlformats.org/drawingml/2006/main" xmlns:r="http://schemas.openxmlformats.org/officeDocument/2006/relationships" xmlns:p="http://schemas.openxmlformats.org/presentationml/2006/main" type="titleOnly">
   <p:cSld name="Title only">
     <p:spTree>
       <p:nvGrpSpPr>
@@ -2047,7 +2057,7 @@
           </a:prstGeom>
         </p:spPr>
         <p:txBody>
-          <a:bodyPr anchorCtr="0" anchor="t" bIns="91425" lIns="91425" rIns="91425" tIns="91425"/>
+          <a:bodyPr lIns="91425" tIns="91425" rIns="91425" bIns="91425" anchor="t" anchorCtr="0"/>
           <a:lstStyle>
             <a:lvl1pPr lvl="0">
               <a:spcBef>
@@ -2112,7 +2122,7 @@
           <p:cNvPr id="27" name="Shape 27"/>
           <p:cNvSpPr txBox="1"/>
           <p:nvPr>
-            <p:ph idx="12" type="sldNum"/>
+            <p:ph type="sldNum" idx="12"/>
           </p:nvPr>
         </p:nvSpPr>
         <p:spPr>
@@ -2125,7 +2135,7 @@
           </a:prstGeom>
         </p:spPr>
         <p:txBody>
-          <a:bodyPr anchorCtr="0" anchor="ctr" bIns="91425" lIns="91425" rIns="91425" tIns="91425">
+          <a:bodyPr lIns="91425" tIns="91425" rIns="91425" bIns="91425" anchor="ctr" anchorCtr="0">
             <a:noAutofit/>
           </a:bodyPr>
           <a:lstStyle/>
@@ -2138,8 +2148,8 @@
             </a:pPr>
             <a:fld id="{00000000-1234-1234-1234-123412341234}" type="slidenum">
               <a:rPr lang="en-GB"/>
-              <a:t>‹#›</a:t>
             </a:fld>
+            <a:endParaRPr lang="en-GB"/>
           </a:p>
         </p:txBody>
       </p:sp>
@@ -2152,7 +2162,7 @@
 </file>
 
 <file path=ppt/slideLayouts/slideLayout6.xml><?xml version="1.0" encoding="utf-8"?>
-<p:sldLayout xmlns:a="http://schemas.openxmlformats.org/drawingml/2006/main" xmlns:r="http://schemas.openxmlformats.org/officeDocument/2006/relationships" xmlns:mc="http://schemas.openxmlformats.org/markup-compatibility/2006" xmlns:mv="urn:schemas-microsoft-com:mac:vml" xmlns:p="http://schemas.openxmlformats.org/presentationml/2006/main" xmlns:c="http://schemas.openxmlformats.org/drawingml/2006/chart" xmlns:dgm="http://schemas.openxmlformats.org/drawingml/2006/diagram" xmlns:o="urn:schemas-microsoft-com:office:office" xmlns:v="urn:schemas-microsoft-com:vml" xmlns:pvml="urn:schemas-microsoft-com:office:powerpoint" xmlns:com="http://schemas.openxmlformats.org/drawingml/2006/compatibility" xmlns:p14="http://schemas.microsoft.com/office/powerpoint/2010/main">
+<p:sldLayout xmlns:a="http://schemas.openxmlformats.org/drawingml/2006/main" xmlns:r="http://schemas.openxmlformats.org/officeDocument/2006/relationships" xmlns:p="http://schemas.openxmlformats.org/presentationml/2006/main">
   <p:cSld name="One column text">
     <p:spTree>
       <p:nvGrpSpPr>
@@ -2186,7 +2196,7 @@
           </a:prstGeom>
         </p:spPr>
         <p:txBody>
-          <a:bodyPr anchorCtr="0" anchor="b" bIns="91425" lIns="91425" rIns="91425" tIns="91425"/>
+          <a:bodyPr lIns="91425" tIns="91425" rIns="91425" bIns="91425" anchor="b" anchorCtr="0"/>
           <a:lstStyle>
             <a:lvl1pPr lvl="0">
               <a:spcBef>
@@ -2260,7 +2270,7 @@
           <p:cNvPr id="30" name="Shape 30"/>
           <p:cNvSpPr txBox="1"/>
           <p:nvPr>
-            <p:ph idx="1" type="body"/>
+            <p:ph type="body" idx="1"/>
           </p:nvPr>
         </p:nvSpPr>
         <p:spPr>
@@ -2273,7 +2283,7 @@
           </a:prstGeom>
         </p:spPr>
         <p:txBody>
-          <a:bodyPr anchorCtr="0" anchor="t" bIns="91425" lIns="91425" rIns="91425" tIns="91425"/>
+          <a:bodyPr lIns="91425" tIns="91425" rIns="91425" bIns="91425" anchor="t" anchorCtr="0"/>
           <a:lstStyle>
             <a:lvl1pPr lvl="0">
               <a:spcBef>
@@ -2347,7 +2357,7 @@
           <p:cNvPr id="31" name="Shape 31"/>
           <p:cNvSpPr txBox="1"/>
           <p:nvPr>
-            <p:ph idx="12" type="sldNum"/>
+            <p:ph type="sldNum" idx="12"/>
           </p:nvPr>
         </p:nvSpPr>
         <p:spPr>
@@ -2360,7 +2370,7 @@
           </a:prstGeom>
         </p:spPr>
         <p:txBody>
-          <a:bodyPr anchorCtr="0" anchor="ctr" bIns="91425" lIns="91425" rIns="91425" tIns="91425">
+          <a:bodyPr lIns="91425" tIns="91425" rIns="91425" bIns="91425" anchor="ctr" anchorCtr="0">
             <a:noAutofit/>
           </a:bodyPr>
           <a:lstStyle/>
@@ -2373,8 +2383,8 @@
             </a:pPr>
             <a:fld id="{00000000-1234-1234-1234-123412341234}" type="slidenum">
               <a:rPr lang="en-GB"/>
-              <a:t>‹#›</a:t>
             </a:fld>
+            <a:endParaRPr lang="en-GB"/>
           </a:p>
         </p:txBody>
       </p:sp>
@@ -2387,7 +2397,7 @@
 </file>
 
 <file path=ppt/slideLayouts/slideLayout7.xml><?xml version="1.0" encoding="utf-8"?>
-<p:sldLayout xmlns:a="http://schemas.openxmlformats.org/drawingml/2006/main" xmlns:r="http://schemas.openxmlformats.org/officeDocument/2006/relationships" xmlns:mc="http://schemas.openxmlformats.org/markup-compatibility/2006" xmlns:mv="urn:schemas-microsoft-com:mac:vml" xmlns:p="http://schemas.openxmlformats.org/presentationml/2006/main" xmlns:c="http://schemas.openxmlformats.org/drawingml/2006/chart" xmlns:dgm="http://schemas.openxmlformats.org/drawingml/2006/diagram" xmlns:o="urn:schemas-microsoft-com:office:office" xmlns:v="urn:schemas-microsoft-com:vml" xmlns:pvml="urn:schemas-microsoft-com:office:powerpoint" xmlns:com="http://schemas.openxmlformats.org/drawingml/2006/compatibility" xmlns:p14="http://schemas.microsoft.com/office/powerpoint/2010/main">
+<p:sldLayout xmlns:a="http://schemas.openxmlformats.org/drawingml/2006/main" xmlns:r="http://schemas.openxmlformats.org/officeDocument/2006/relationships" xmlns:p="http://schemas.openxmlformats.org/presentationml/2006/main">
   <p:cSld name="Main point">
     <p:spTree>
       <p:nvGrpSpPr>
@@ -2421,7 +2431,7 @@
           </a:prstGeom>
         </p:spPr>
         <p:txBody>
-          <a:bodyPr anchorCtr="0" anchor="ctr" bIns="91425" lIns="91425" rIns="91425" tIns="91425"/>
+          <a:bodyPr lIns="91425" tIns="91425" rIns="91425" bIns="91425" anchor="ctr" anchorCtr="0"/>
           <a:lstStyle>
             <a:lvl1pPr lvl="0">
               <a:spcBef>
@@ -2495,7 +2505,7 @@
           <p:cNvPr id="34" name="Shape 34"/>
           <p:cNvSpPr txBox="1"/>
           <p:nvPr>
-            <p:ph idx="12" type="sldNum"/>
+            <p:ph type="sldNum" idx="12"/>
           </p:nvPr>
         </p:nvSpPr>
         <p:spPr>
@@ -2508,7 +2518,7 @@
           </a:prstGeom>
         </p:spPr>
         <p:txBody>
-          <a:bodyPr anchorCtr="0" anchor="ctr" bIns="91425" lIns="91425" rIns="91425" tIns="91425">
+          <a:bodyPr lIns="91425" tIns="91425" rIns="91425" bIns="91425" anchor="ctr" anchorCtr="0">
             <a:noAutofit/>
           </a:bodyPr>
           <a:lstStyle/>
@@ -2521,8 +2531,8 @@
             </a:pPr>
             <a:fld id="{00000000-1234-1234-1234-123412341234}" type="slidenum">
               <a:rPr lang="en-GB"/>
-              <a:t>‹#›</a:t>
             </a:fld>
+            <a:endParaRPr lang="en-GB"/>
           </a:p>
         </p:txBody>
       </p:sp>
@@ -2535,7 +2545,7 @@
 </file>
 
 <file path=ppt/slideLayouts/slideLayout8.xml><?xml version="1.0" encoding="utf-8"?>
-<p:sldLayout xmlns:a="http://schemas.openxmlformats.org/drawingml/2006/main" xmlns:r="http://schemas.openxmlformats.org/officeDocument/2006/relationships" xmlns:mc="http://schemas.openxmlformats.org/markup-compatibility/2006" xmlns:mv="urn:schemas-microsoft-com:mac:vml" xmlns:p="http://schemas.openxmlformats.org/presentationml/2006/main" xmlns:c="http://schemas.openxmlformats.org/drawingml/2006/chart" xmlns:dgm="http://schemas.openxmlformats.org/drawingml/2006/diagram" xmlns:o="urn:schemas-microsoft-com:office:office" xmlns:v="urn:schemas-microsoft-com:vml" xmlns:pvml="urn:schemas-microsoft-com:office:powerpoint" xmlns:com="http://schemas.openxmlformats.org/drawingml/2006/compatibility" xmlns:p14="http://schemas.microsoft.com/office/powerpoint/2010/main">
+<p:sldLayout xmlns:a="http://schemas.openxmlformats.org/drawingml/2006/main" xmlns:r="http://schemas.openxmlformats.org/officeDocument/2006/relationships" xmlns:p="http://schemas.openxmlformats.org/presentationml/2006/main">
   <p:cSld name="Section title and description">
     <p:spTree>
       <p:nvGrpSpPr>
@@ -2573,7 +2583,7 @@
           </a:ln>
         </p:spPr>
         <p:txBody>
-          <a:bodyPr anchorCtr="0" anchor="ctr" bIns="91425" lIns="91425" rIns="91425" tIns="91425">
+          <a:bodyPr lIns="91425" tIns="91425" rIns="91425" bIns="91425" anchor="ctr" anchorCtr="0">
             <a:noAutofit/>
           </a:bodyPr>
           <a:lstStyle/>
@@ -2584,10 +2594,6 @@
               </a:spcBef>
               <a:buNone/>
             </a:pPr>
-            <a:r>
-              <a:t/>
-            </a:r>
-            <a:endParaRPr/>
           </a:p>
         </p:txBody>
       </p:sp>
@@ -2609,7 +2615,7 @@
           </a:prstGeom>
         </p:spPr>
         <p:txBody>
-          <a:bodyPr anchorCtr="0" anchor="b" bIns="91425" lIns="91425" rIns="91425" tIns="91425"/>
+          <a:bodyPr lIns="91425" tIns="91425" rIns="91425" bIns="91425" anchor="b" anchorCtr="0"/>
           <a:lstStyle>
             <a:lvl1pPr lvl="0" algn="ctr">
               <a:spcBef>
@@ -2683,7 +2689,7 @@
           <p:cNvPr id="38" name="Shape 38"/>
           <p:cNvSpPr txBox="1"/>
           <p:nvPr>
-            <p:ph idx="1" type="subTitle"/>
+            <p:ph type="subTitle" idx="1"/>
           </p:nvPr>
         </p:nvSpPr>
         <p:spPr>
@@ -2696,7 +2702,7 @@
           </a:prstGeom>
         </p:spPr>
         <p:txBody>
-          <a:bodyPr anchorCtr="0" anchor="t" bIns="91425" lIns="91425" rIns="91425" tIns="91425"/>
+          <a:bodyPr lIns="91425" tIns="91425" rIns="91425" bIns="91425" anchor="t" anchorCtr="0"/>
           <a:lstStyle>
             <a:lvl1pPr lvl="0" algn="ctr">
               <a:lnSpc>
@@ -2833,7 +2839,7 @@
           <p:cNvPr id="39" name="Shape 39"/>
           <p:cNvSpPr txBox="1"/>
           <p:nvPr>
-            <p:ph idx="2" type="body"/>
+            <p:ph type="body" idx="2"/>
           </p:nvPr>
         </p:nvSpPr>
         <p:spPr>
@@ -2846,7 +2852,7 @@
           </a:prstGeom>
         </p:spPr>
         <p:txBody>
-          <a:bodyPr anchorCtr="0" anchor="ctr" bIns="91425" lIns="91425" rIns="91425" tIns="91425"/>
+          <a:bodyPr lIns="91425" tIns="91425" rIns="91425" bIns="91425" anchor="ctr" anchorCtr="0"/>
           <a:lstStyle>
             <a:lvl1pPr lvl="0">
               <a:spcBef>
@@ -2911,7 +2917,7 @@
           <p:cNvPr id="40" name="Shape 40"/>
           <p:cNvSpPr txBox="1"/>
           <p:nvPr>
-            <p:ph idx="12" type="sldNum"/>
+            <p:ph type="sldNum" idx="12"/>
           </p:nvPr>
         </p:nvSpPr>
         <p:spPr>
@@ -2924,7 +2930,7 @@
           </a:prstGeom>
         </p:spPr>
         <p:txBody>
-          <a:bodyPr anchorCtr="0" anchor="ctr" bIns="91425" lIns="91425" rIns="91425" tIns="91425">
+          <a:bodyPr lIns="91425" tIns="91425" rIns="91425" bIns="91425" anchor="ctr" anchorCtr="0">
             <a:noAutofit/>
           </a:bodyPr>
           <a:lstStyle/>
@@ -2937,8 +2943,8 @@
             </a:pPr>
             <a:fld id="{00000000-1234-1234-1234-123412341234}" type="slidenum">
               <a:rPr lang="en-GB"/>
-              <a:t>‹#›</a:t>
             </a:fld>
+            <a:endParaRPr lang="en-GB"/>
           </a:p>
         </p:txBody>
       </p:sp>
@@ -2951,7 +2957,7 @@
 </file>
 
 <file path=ppt/slideLayouts/slideLayout9.xml><?xml version="1.0" encoding="utf-8"?>
-<p:sldLayout xmlns:a="http://schemas.openxmlformats.org/drawingml/2006/main" xmlns:r="http://schemas.openxmlformats.org/officeDocument/2006/relationships" xmlns:mc="http://schemas.openxmlformats.org/markup-compatibility/2006" xmlns:mv="urn:schemas-microsoft-com:mac:vml" xmlns:p="http://schemas.openxmlformats.org/presentationml/2006/main" xmlns:c="http://schemas.openxmlformats.org/drawingml/2006/chart" xmlns:dgm="http://schemas.openxmlformats.org/drawingml/2006/diagram" xmlns:o="urn:schemas-microsoft-com:office:office" xmlns:v="urn:schemas-microsoft-com:vml" xmlns:pvml="urn:schemas-microsoft-com:office:powerpoint" xmlns:com="http://schemas.openxmlformats.org/drawingml/2006/compatibility" xmlns:p14="http://schemas.microsoft.com/office/powerpoint/2010/main">
+<p:sldLayout xmlns:a="http://schemas.openxmlformats.org/drawingml/2006/main" xmlns:r="http://schemas.openxmlformats.org/officeDocument/2006/relationships" xmlns:p="http://schemas.openxmlformats.org/presentationml/2006/main">
   <p:cSld name="Caption">
     <p:spTree>
       <p:nvGrpSpPr>
@@ -2972,7 +2978,7 @@
           <p:cNvPr id="42" name="Shape 42"/>
           <p:cNvSpPr txBox="1"/>
           <p:nvPr>
-            <p:ph idx="1" type="body"/>
+            <p:ph type="body" idx="1"/>
           </p:nvPr>
         </p:nvSpPr>
         <p:spPr>
@@ -2985,7 +2991,7 @@
           </a:prstGeom>
         </p:spPr>
         <p:txBody>
-          <a:bodyPr anchorCtr="0" anchor="ctr" bIns="91425" lIns="91425" rIns="91425" tIns="91425"/>
+          <a:bodyPr lIns="91425" tIns="91425" rIns="91425" bIns="91425" anchor="ctr" anchorCtr="0"/>
           <a:lstStyle>
             <a:lvl1pPr lvl="0">
               <a:lnSpc>
@@ -3009,7 +3015,7 @@
           <p:cNvPr id="43" name="Shape 43"/>
           <p:cNvSpPr txBox="1"/>
           <p:nvPr>
-            <p:ph idx="12" type="sldNum"/>
+            <p:ph type="sldNum" idx="12"/>
           </p:nvPr>
         </p:nvSpPr>
         <p:spPr>
@@ -3022,7 +3028,7 @@
           </a:prstGeom>
         </p:spPr>
         <p:txBody>
-          <a:bodyPr anchorCtr="0" anchor="ctr" bIns="91425" lIns="91425" rIns="91425" tIns="91425">
+          <a:bodyPr lIns="91425" tIns="91425" rIns="91425" bIns="91425" anchor="ctr" anchorCtr="0">
             <a:noAutofit/>
           </a:bodyPr>
           <a:lstStyle/>
@@ -3035,8 +3041,8 @@
             </a:pPr>
             <a:fld id="{00000000-1234-1234-1234-123412341234}" type="slidenum">
               <a:rPr lang="en-GB"/>
-              <a:t>‹#›</a:t>
             </a:fld>
+            <a:endParaRPr lang="en-GB"/>
           </a:p>
         </p:txBody>
       </p:sp>
@@ -3049,13 +3055,14 @@
 </file>
 
 <file path=ppt/slideMasters/slideMaster1.xml><?xml version="1.0" encoding="utf-8"?>
-<p:sldMaster xmlns:a="http://schemas.openxmlformats.org/drawingml/2006/main" xmlns:r="http://schemas.openxmlformats.org/officeDocument/2006/relationships" xmlns:mc="http://schemas.openxmlformats.org/markup-compatibility/2006" xmlns:mv="urn:schemas-microsoft-com:mac:vml" xmlns:p="http://schemas.openxmlformats.org/presentationml/2006/main" xmlns:c="http://schemas.openxmlformats.org/drawingml/2006/chart" xmlns:dgm="http://schemas.openxmlformats.org/drawingml/2006/diagram" xmlns:o="urn:schemas-microsoft-com:office:office" xmlns:v="urn:schemas-microsoft-com:vml" xmlns:pvml="urn:schemas-microsoft-com:office:powerpoint" xmlns:com="http://schemas.openxmlformats.org/drawingml/2006/compatibility" xmlns:p14="http://schemas.microsoft.com/office/powerpoint/2010/main">
+<p:sldMaster xmlns:a="http://schemas.openxmlformats.org/drawingml/2006/main" xmlns:r="http://schemas.openxmlformats.org/officeDocument/2006/relationships" xmlns:p="http://schemas.openxmlformats.org/presentationml/2006/main">
   <p:cSld>
     <p:bg>
       <p:bgPr>
         <a:solidFill>
           <a:schemeClr val="lt1"/>
         </a:solidFill>
+        <a:effectLst/>
       </p:bgPr>
     </p:bg>
     <p:spTree>
@@ -3094,7 +3101,7 @@
           </a:ln>
         </p:spPr>
         <p:txBody>
-          <a:bodyPr anchorCtr="0" anchor="t" bIns="91425" lIns="91425" rIns="91425" tIns="91425"/>
+          <a:bodyPr lIns="91425" tIns="91425" rIns="91425" bIns="91425" anchor="t" anchorCtr="0"/>
           <a:lstStyle>
             <a:lvl1pPr lvl="0">
               <a:spcBef>
@@ -3240,7 +3247,7 @@
           <p:cNvPr id="7" name="Shape 7"/>
           <p:cNvSpPr txBox="1"/>
           <p:nvPr>
-            <p:ph idx="1" type="body"/>
+            <p:ph type="body" idx="1"/>
           </p:nvPr>
         </p:nvSpPr>
         <p:spPr>
@@ -3257,7 +3264,7 @@
           </a:ln>
         </p:spPr>
         <p:txBody>
-          <a:bodyPr anchorCtr="0" anchor="t" bIns="91425" lIns="91425" rIns="91425" tIns="91425"/>
+          <a:bodyPr lIns="91425" tIns="91425" rIns="91425" bIns="91425" anchor="t" anchorCtr="0"/>
           <a:lstStyle>
             <a:lvl1pPr lvl="0">
               <a:lnSpc>
@@ -3440,7 +3447,7 @@
           <p:cNvPr id="8" name="Shape 8"/>
           <p:cNvSpPr txBox="1"/>
           <p:nvPr>
-            <p:ph idx="12" type="sldNum"/>
+            <p:ph type="sldNum" idx="12"/>
           </p:nvPr>
         </p:nvSpPr>
         <p:spPr>
@@ -3457,7 +3464,7 @@
           </a:ln>
         </p:spPr>
         <p:txBody>
-          <a:bodyPr anchorCtr="0" anchor="ctr" bIns="91425" lIns="91425" rIns="91425" tIns="91425">
+          <a:bodyPr lIns="91425" tIns="91425" rIns="91425" bIns="91425" anchor="ctr" anchorCtr="0">
             <a:noAutofit/>
           </a:bodyPr>
           <a:lstStyle/>
@@ -3474,31 +3481,35 @@
                   <a:schemeClr val="dk2"/>
                 </a:solidFill>
               </a:rPr>
-              <a:t>‹#›</a:t>
             </a:fld>
+            <a:endParaRPr lang="en-GB" sz="1000">
+              <a:solidFill>
+                <a:schemeClr val="dk2"/>
+              </a:solidFill>
+            </a:endParaRPr>
           </a:p>
         </p:txBody>
       </p:sp>
     </p:spTree>
   </p:cSld>
-  <p:clrMap accent1="accent1" accent2="accent2" accent3="accent3" accent4="accent4" accent5="accent5" accent6="accent6" bg1="lt1" bg2="dk2" tx1="dk1" tx2="lt2" folHlink="folHlink" hlink="hlink"/>
+  <p:clrMap bg1="lt1" tx1="dk1" bg2="dk2" tx2="lt2" accent1="accent1" accent2="accent2" accent3="accent3" accent4="accent4" accent5="accent5" accent6="accent6" hlink="hlink" folHlink="folHlink"/>
   <p:sldLayoutIdLst>
-    <p:sldLayoutId id="2147483648" r:id="rId1"/>
-    <p:sldLayoutId id="2147483649" r:id="rId2"/>
-    <p:sldLayoutId id="2147483650" r:id="rId3"/>
-    <p:sldLayoutId id="2147483651" r:id="rId4"/>
-    <p:sldLayoutId id="2147483652" r:id="rId5"/>
-    <p:sldLayoutId id="2147483653" r:id="rId6"/>
-    <p:sldLayoutId id="2147483654" r:id="rId7"/>
-    <p:sldLayoutId id="2147483655" r:id="rId8"/>
-    <p:sldLayoutId id="2147483656" r:id="rId9"/>
-    <p:sldLayoutId id="2147483657" r:id="rId10"/>
-    <p:sldLayoutId id="2147483658" r:id="rId11"/>
+    <p:sldLayoutId id="2147483649" r:id="rId1"/>
+    <p:sldLayoutId id="2147483650" r:id="rId2"/>
+    <p:sldLayoutId id="2147483651" r:id="rId3"/>
+    <p:sldLayoutId id="2147483652" r:id="rId4"/>
+    <p:sldLayoutId id="2147483653" r:id="rId5"/>
+    <p:sldLayoutId id="2147483654" r:id="rId6"/>
+    <p:sldLayoutId id="2147483655" r:id="rId7"/>
+    <p:sldLayoutId id="2147483656" r:id="rId8"/>
+    <p:sldLayoutId id="2147483657" r:id="rId9"/>
+    <p:sldLayoutId id="2147483658" r:id="rId10"/>
+    <p:sldLayoutId id="2147483659" r:id="rId11"/>
   </p:sldLayoutIdLst>
-  <p:hf dt="0" ftr="0" hdr="0" sldNum="0"/>
+  <p:hf sldNum="0" hdr="0" ftr="0" dt="0"/>
   <p:txStyles>
     <p:titleStyle>
-      <a:defPPr lvl="0" marR="0" rtl="0" algn="l">
+      <a:defPPr marR="0" lvl="0" algn="l" rtl="0">
         <a:lnSpc>
           <a:spcPct val="100000"/>
         </a:lnSpc>
@@ -3509,7 +3520,7 @@
           <a:spcPts val="0"/>
         </a:spcAft>
       </a:defPPr>
-      <a:lvl1pPr lvl="0" marR="0" rtl="0" algn="l">
+      <a:lvl1pPr marR="0" lvl="0" algn="l" rtl="0">
         <a:lnSpc>
           <a:spcPct val="100000"/>
         </a:lnSpc>
@@ -3520,19 +3531,19 @@
           <a:spcPts val="0"/>
         </a:spcAft>
         <a:buNone/>
-        <a:defRPr b="0" i="0" sz="1400" u="none" cap="none" strike="noStrike">
+        <a:defRPr sz="1400" b="0" i="0" u="none" strike="noStrike" cap="none">
           <a:solidFill>
             <a:srgbClr val="000000"/>
           </a:solidFill>
-          <a:latin typeface="Arial"/>
-          <a:ea typeface="Arial"/>
-          <a:cs typeface="Arial"/>
-          <a:sym typeface="Arial"/>
+          <a:latin typeface="Arial" panose="020B0604020202020204"/>
+          <a:ea typeface="Arial" panose="020B0604020202020204"/>
+          <a:cs typeface="Arial" panose="020B0604020202020204"/>
+          <a:sym typeface="Arial" panose="020B0604020202020204"/>
         </a:defRPr>
       </a:lvl1pPr>
     </p:titleStyle>
     <p:bodyStyle>
-      <a:defPPr lvl="0" marR="0" rtl="0" algn="l">
+      <a:defPPr marR="0" lvl="0" algn="l" rtl="0">
         <a:lnSpc>
           <a:spcPct val="100000"/>
         </a:lnSpc>
@@ -3543,7 +3554,7 @@
           <a:spcPts val="0"/>
         </a:spcAft>
       </a:defPPr>
-      <a:lvl1pPr lvl="0" marR="0" rtl="0" algn="l">
+      <a:lvl1pPr marR="0" lvl="0" algn="l" rtl="0">
         <a:lnSpc>
           <a:spcPct val="100000"/>
         </a:lnSpc>
@@ -3554,17 +3565,17 @@
           <a:spcPts val="0"/>
         </a:spcAft>
         <a:buNone/>
-        <a:defRPr b="0" i="0" sz="1400" u="none" cap="none" strike="noStrike">
+        <a:defRPr sz="1400" b="0" i="0" u="none" strike="noStrike" cap="none">
           <a:solidFill>
             <a:srgbClr val="000000"/>
           </a:solidFill>
-          <a:latin typeface="Arial"/>
-          <a:ea typeface="Arial"/>
-          <a:cs typeface="Arial"/>
-          <a:sym typeface="Arial"/>
+          <a:latin typeface="Arial" panose="020B0604020202020204"/>
+          <a:ea typeface="Arial" panose="020B0604020202020204"/>
+          <a:cs typeface="Arial" panose="020B0604020202020204"/>
+          <a:sym typeface="Arial" panose="020B0604020202020204"/>
         </a:defRPr>
       </a:lvl1pPr>
-      <a:lvl2pPr lvl="1" marR="0" rtl="0" algn="l">
+      <a:lvl2pPr marR="0" lvl="1" algn="l" rtl="0">
         <a:lnSpc>
           <a:spcPct val="100000"/>
         </a:lnSpc>
@@ -3575,17 +3586,17 @@
           <a:spcPts val="0"/>
         </a:spcAft>
         <a:buNone/>
-        <a:defRPr b="0" i="0" sz="1400" u="none" cap="none" strike="noStrike">
+        <a:defRPr sz="1400" b="0" i="0" u="none" strike="noStrike" cap="none">
           <a:solidFill>
             <a:srgbClr val="000000"/>
           </a:solidFill>
-          <a:latin typeface="Arial"/>
-          <a:ea typeface="Arial"/>
-          <a:cs typeface="Arial"/>
-          <a:sym typeface="Arial"/>
+          <a:latin typeface="Arial" panose="020B0604020202020204"/>
+          <a:ea typeface="Arial" panose="020B0604020202020204"/>
+          <a:cs typeface="Arial" panose="020B0604020202020204"/>
+          <a:sym typeface="Arial" panose="020B0604020202020204"/>
         </a:defRPr>
       </a:lvl2pPr>
-      <a:lvl3pPr lvl="2" marR="0" rtl="0" algn="l">
+      <a:lvl3pPr marR="0" lvl="2" algn="l" rtl="0">
         <a:lnSpc>
           <a:spcPct val="100000"/>
         </a:lnSpc>
@@ -3596,17 +3607,17 @@
           <a:spcPts val="0"/>
         </a:spcAft>
         <a:buNone/>
-        <a:defRPr b="0" i="0" sz="1400" u="none" cap="none" strike="noStrike">
+        <a:defRPr sz="1400" b="0" i="0" u="none" strike="noStrike" cap="none">
           <a:solidFill>
             <a:srgbClr val="000000"/>
           </a:solidFill>
-          <a:latin typeface="Arial"/>
-          <a:ea typeface="Arial"/>
-          <a:cs typeface="Arial"/>
-          <a:sym typeface="Arial"/>
+          <a:latin typeface="Arial" panose="020B0604020202020204"/>
+          <a:ea typeface="Arial" panose="020B0604020202020204"/>
+          <a:cs typeface="Arial" panose="020B0604020202020204"/>
+          <a:sym typeface="Arial" panose="020B0604020202020204"/>
         </a:defRPr>
       </a:lvl3pPr>
-      <a:lvl4pPr lvl="3" marR="0" rtl="0" algn="l">
+      <a:lvl4pPr marR="0" lvl="3" algn="l" rtl="0">
         <a:lnSpc>
           <a:spcPct val="100000"/>
         </a:lnSpc>
@@ -3617,17 +3628,17 @@
           <a:spcPts val="0"/>
         </a:spcAft>
         <a:buNone/>
-        <a:defRPr b="0" i="0" sz="1400" u="none" cap="none" strike="noStrike">
+        <a:defRPr sz="1400" b="0" i="0" u="none" strike="noStrike" cap="none">
           <a:solidFill>
             <a:srgbClr val="000000"/>
           </a:solidFill>
-          <a:latin typeface="Arial"/>
-          <a:ea typeface="Arial"/>
-          <a:cs typeface="Arial"/>
-          <a:sym typeface="Arial"/>
+          <a:latin typeface="Arial" panose="020B0604020202020204"/>
+          <a:ea typeface="Arial" panose="020B0604020202020204"/>
+          <a:cs typeface="Arial" panose="020B0604020202020204"/>
+          <a:sym typeface="Arial" panose="020B0604020202020204"/>
         </a:defRPr>
       </a:lvl4pPr>
-      <a:lvl5pPr lvl="4" marR="0" rtl="0" algn="l">
+      <a:lvl5pPr marR="0" lvl="4" algn="l" rtl="0">
         <a:lnSpc>
           <a:spcPct val="100000"/>
         </a:lnSpc>
@@ -3638,17 +3649,17 @@
           <a:spcPts val="0"/>
         </a:spcAft>
         <a:buNone/>
-        <a:defRPr b="0" i="0" sz="1400" u="none" cap="none" strike="noStrike">
+        <a:defRPr sz="1400" b="0" i="0" u="none" strike="noStrike" cap="none">
           <a:solidFill>
             <a:srgbClr val="000000"/>
           </a:solidFill>
-          <a:latin typeface="Arial"/>
-          <a:ea typeface="Arial"/>
-          <a:cs typeface="Arial"/>
-          <a:sym typeface="Arial"/>
+          <a:latin typeface="Arial" panose="020B0604020202020204"/>
+          <a:ea typeface="Arial" panose="020B0604020202020204"/>
+          <a:cs typeface="Arial" panose="020B0604020202020204"/>
+          <a:sym typeface="Arial" panose="020B0604020202020204"/>
         </a:defRPr>
       </a:lvl5pPr>
-      <a:lvl6pPr lvl="5" marR="0" rtl="0" algn="l">
+      <a:lvl6pPr marR="0" lvl="5" algn="l" rtl="0">
         <a:lnSpc>
           <a:spcPct val="100000"/>
         </a:lnSpc>
@@ -3659,17 +3670,17 @@
           <a:spcPts val="0"/>
         </a:spcAft>
         <a:buNone/>
-        <a:defRPr b="0" i="0" sz="1400" u="none" cap="none" strike="noStrike">
+        <a:defRPr sz="1400" b="0" i="0" u="none" strike="noStrike" cap="none">
           <a:solidFill>
             <a:srgbClr val="000000"/>
           </a:solidFill>
-          <a:latin typeface="Arial"/>
-          <a:ea typeface="Arial"/>
-          <a:cs typeface="Arial"/>
-          <a:sym typeface="Arial"/>
+          <a:latin typeface="Arial" panose="020B0604020202020204"/>
+          <a:ea typeface="Arial" panose="020B0604020202020204"/>
+          <a:cs typeface="Arial" panose="020B0604020202020204"/>
+          <a:sym typeface="Arial" panose="020B0604020202020204"/>
         </a:defRPr>
       </a:lvl6pPr>
-      <a:lvl7pPr lvl="6" marR="0" rtl="0" algn="l">
+      <a:lvl7pPr marR="0" lvl="6" algn="l" rtl="0">
         <a:lnSpc>
           <a:spcPct val="100000"/>
         </a:lnSpc>
@@ -3680,17 +3691,17 @@
           <a:spcPts val="0"/>
         </a:spcAft>
         <a:buNone/>
-        <a:defRPr b="0" i="0" sz="1400" u="none" cap="none" strike="noStrike">
+        <a:defRPr sz="1400" b="0" i="0" u="none" strike="noStrike" cap="none">
           <a:solidFill>
             <a:srgbClr val="000000"/>
           </a:solidFill>
-          <a:latin typeface="Arial"/>
-          <a:ea typeface="Arial"/>
-          <a:cs typeface="Arial"/>
-          <a:sym typeface="Arial"/>
+          <a:latin typeface="Arial" panose="020B0604020202020204"/>
+          <a:ea typeface="Arial" panose="020B0604020202020204"/>
+          <a:cs typeface="Arial" panose="020B0604020202020204"/>
+          <a:sym typeface="Arial" panose="020B0604020202020204"/>
         </a:defRPr>
       </a:lvl7pPr>
-      <a:lvl8pPr lvl="7" marR="0" rtl="0" algn="l">
+      <a:lvl8pPr marR="0" lvl="7" algn="l" rtl="0">
         <a:lnSpc>
           <a:spcPct val="100000"/>
         </a:lnSpc>
@@ -3701,17 +3712,17 @@
           <a:spcPts val="0"/>
         </a:spcAft>
         <a:buNone/>
-        <a:defRPr b="0" i="0" sz="1400" u="none" cap="none" strike="noStrike">
+        <a:defRPr sz="1400" b="0" i="0" u="none" strike="noStrike" cap="none">
           <a:solidFill>
             <a:srgbClr val="000000"/>
           </a:solidFill>
-          <a:latin typeface="Arial"/>
-          <a:ea typeface="Arial"/>
-          <a:cs typeface="Arial"/>
-          <a:sym typeface="Arial"/>
+          <a:latin typeface="Arial" panose="020B0604020202020204"/>
+          <a:ea typeface="Arial" panose="020B0604020202020204"/>
+          <a:cs typeface="Arial" panose="020B0604020202020204"/>
+          <a:sym typeface="Arial" panose="020B0604020202020204"/>
         </a:defRPr>
       </a:lvl8pPr>
-      <a:lvl9pPr lvl="8" marR="0" rtl="0" algn="l">
+      <a:lvl9pPr marR="0" lvl="8" algn="l" rtl="0">
         <a:lnSpc>
           <a:spcPct val="100000"/>
         </a:lnSpc>
@@ -3722,19 +3733,19 @@
           <a:spcPts val="0"/>
         </a:spcAft>
         <a:buNone/>
-        <a:defRPr b="0" i="0" sz="1400" u="none" cap="none" strike="noStrike">
+        <a:defRPr sz="1400" b="0" i="0" u="none" strike="noStrike" cap="none">
           <a:solidFill>
             <a:srgbClr val="000000"/>
           </a:solidFill>
-          <a:latin typeface="Arial"/>
-          <a:ea typeface="Arial"/>
-          <a:cs typeface="Arial"/>
-          <a:sym typeface="Arial"/>
+          <a:latin typeface="Arial" panose="020B0604020202020204"/>
+          <a:ea typeface="Arial" panose="020B0604020202020204"/>
+          <a:cs typeface="Arial" panose="020B0604020202020204"/>
+          <a:sym typeface="Arial" panose="020B0604020202020204"/>
         </a:defRPr>
       </a:lvl9pPr>
     </p:bodyStyle>
     <p:otherStyle>
-      <a:defPPr lvl="0" marR="0" rtl="0" algn="l">
+      <a:defPPr marR="0" lvl="0" algn="l" rtl="0">
         <a:lnSpc>
           <a:spcPct val="100000"/>
         </a:lnSpc>
@@ -3745,7 +3756,7 @@
           <a:spcPts val="0"/>
         </a:spcAft>
       </a:defPPr>
-      <a:lvl1pPr lvl="0" marR="0" rtl="0" algn="l">
+      <a:lvl1pPr marR="0" lvl="0" algn="l" rtl="0">
         <a:lnSpc>
           <a:spcPct val="100000"/>
         </a:lnSpc>
@@ -3756,17 +3767,17 @@
           <a:spcPts val="0"/>
         </a:spcAft>
         <a:buNone/>
-        <a:defRPr b="0" i="0" sz="1400" u="none" cap="none" strike="noStrike">
+        <a:defRPr sz="1400" b="0" i="0" u="none" strike="noStrike" cap="none">
           <a:solidFill>
             <a:srgbClr val="000000"/>
           </a:solidFill>
-          <a:latin typeface="Arial"/>
-          <a:ea typeface="Arial"/>
-          <a:cs typeface="Arial"/>
-          <a:sym typeface="Arial"/>
+          <a:latin typeface="Arial" panose="020B0604020202020204"/>
+          <a:ea typeface="Arial" panose="020B0604020202020204"/>
+          <a:cs typeface="Arial" panose="020B0604020202020204"/>
+          <a:sym typeface="Arial" panose="020B0604020202020204"/>
         </a:defRPr>
       </a:lvl1pPr>
-      <a:lvl2pPr lvl="1" marR="0" rtl="0" algn="l">
+      <a:lvl2pPr marR="0" lvl="1" algn="l" rtl="0">
         <a:lnSpc>
           <a:spcPct val="100000"/>
         </a:lnSpc>
@@ -3777,17 +3788,17 @@
           <a:spcPts val="0"/>
         </a:spcAft>
         <a:buNone/>
-        <a:defRPr b="0" i="0" sz="1400" u="none" cap="none" strike="noStrike">
+        <a:defRPr sz="1400" b="0" i="0" u="none" strike="noStrike" cap="none">
           <a:solidFill>
             <a:srgbClr val="000000"/>
           </a:solidFill>
-          <a:latin typeface="Arial"/>
-          <a:ea typeface="Arial"/>
-          <a:cs typeface="Arial"/>
-          <a:sym typeface="Arial"/>
+          <a:latin typeface="Arial" panose="020B0604020202020204"/>
+          <a:ea typeface="Arial" panose="020B0604020202020204"/>
+          <a:cs typeface="Arial" panose="020B0604020202020204"/>
+          <a:sym typeface="Arial" panose="020B0604020202020204"/>
         </a:defRPr>
       </a:lvl2pPr>
-      <a:lvl3pPr lvl="2" marR="0" rtl="0" algn="l">
+      <a:lvl3pPr marR="0" lvl="2" algn="l" rtl="0">
         <a:lnSpc>
           <a:spcPct val="100000"/>
         </a:lnSpc>
@@ -3798,17 +3809,17 @@
           <a:spcPts val="0"/>
         </a:spcAft>
         <a:buNone/>
-        <a:defRPr b="0" i="0" sz="1400" u="none" cap="none" strike="noStrike">
+        <a:defRPr sz="1400" b="0" i="0" u="none" strike="noStrike" cap="none">
           <a:solidFill>
             <a:srgbClr val="000000"/>
           </a:solidFill>
-          <a:latin typeface="Arial"/>
-          <a:ea typeface="Arial"/>
-          <a:cs typeface="Arial"/>
-          <a:sym typeface="Arial"/>
+          <a:latin typeface="Arial" panose="020B0604020202020204"/>
+          <a:ea typeface="Arial" panose="020B0604020202020204"/>
+          <a:cs typeface="Arial" panose="020B0604020202020204"/>
+          <a:sym typeface="Arial" panose="020B0604020202020204"/>
         </a:defRPr>
       </a:lvl3pPr>
-      <a:lvl4pPr lvl="3" marR="0" rtl="0" algn="l">
+      <a:lvl4pPr marR="0" lvl="3" algn="l" rtl="0">
         <a:lnSpc>
           <a:spcPct val="100000"/>
         </a:lnSpc>
@@ -3819,17 +3830,17 @@
           <a:spcPts val="0"/>
         </a:spcAft>
         <a:buNone/>
-        <a:defRPr b="0" i="0" sz="1400" u="none" cap="none" strike="noStrike">
+        <a:defRPr sz="1400" b="0" i="0" u="none" strike="noStrike" cap="none">
           <a:solidFill>
             <a:srgbClr val="000000"/>
           </a:solidFill>
-          <a:latin typeface="Arial"/>
-          <a:ea typeface="Arial"/>
-          <a:cs typeface="Arial"/>
-          <a:sym typeface="Arial"/>
+          <a:latin typeface="Arial" panose="020B0604020202020204"/>
+          <a:ea typeface="Arial" panose="020B0604020202020204"/>
+          <a:cs typeface="Arial" panose="020B0604020202020204"/>
+          <a:sym typeface="Arial" panose="020B0604020202020204"/>
         </a:defRPr>
       </a:lvl4pPr>
-      <a:lvl5pPr lvl="4" marR="0" rtl="0" algn="l">
+      <a:lvl5pPr marR="0" lvl="4" algn="l" rtl="0">
         <a:lnSpc>
           <a:spcPct val="100000"/>
         </a:lnSpc>
@@ -3840,17 +3851,17 @@
           <a:spcPts val="0"/>
         </a:spcAft>
         <a:buNone/>
-        <a:defRPr b="0" i="0" sz="1400" u="none" cap="none" strike="noStrike">
+        <a:defRPr sz="1400" b="0" i="0" u="none" strike="noStrike" cap="none">
           <a:solidFill>
             <a:srgbClr val="000000"/>
           </a:solidFill>
-          <a:latin typeface="Arial"/>
-          <a:ea typeface="Arial"/>
-          <a:cs typeface="Arial"/>
-          <a:sym typeface="Arial"/>
+          <a:latin typeface="Arial" panose="020B0604020202020204"/>
+          <a:ea typeface="Arial" panose="020B0604020202020204"/>
+          <a:cs typeface="Arial" panose="020B0604020202020204"/>
+          <a:sym typeface="Arial" panose="020B0604020202020204"/>
         </a:defRPr>
       </a:lvl5pPr>
-      <a:lvl6pPr lvl="5" marR="0" rtl="0" algn="l">
+      <a:lvl6pPr marR="0" lvl="5" algn="l" rtl="0">
         <a:lnSpc>
           <a:spcPct val="100000"/>
         </a:lnSpc>
@@ -3861,17 +3872,17 @@
           <a:spcPts val="0"/>
         </a:spcAft>
         <a:buNone/>
-        <a:defRPr b="0" i="0" sz="1400" u="none" cap="none" strike="noStrike">
+        <a:defRPr sz="1400" b="0" i="0" u="none" strike="noStrike" cap="none">
           <a:solidFill>
             <a:srgbClr val="000000"/>
           </a:solidFill>
-          <a:latin typeface="Arial"/>
-          <a:ea typeface="Arial"/>
-          <a:cs typeface="Arial"/>
-          <a:sym typeface="Arial"/>
+          <a:latin typeface="Arial" panose="020B0604020202020204"/>
+          <a:ea typeface="Arial" panose="020B0604020202020204"/>
+          <a:cs typeface="Arial" panose="020B0604020202020204"/>
+          <a:sym typeface="Arial" panose="020B0604020202020204"/>
         </a:defRPr>
       </a:lvl6pPr>
-      <a:lvl7pPr lvl="6" marR="0" rtl="0" algn="l">
+      <a:lvl7pPr marR="0" lvl="6" algn="l" rtl="0">
         <a:lnSpc>
           <a:spcPct val="100000"/>
         </a:lnSpc>
@@ -3882,17 +3893,17 @@
           <a:spcPts val="0"/>
         </a:spcAft>
         <a:buNone/>
-        <a:defRPr b="0" i="0" sz="1400" u="none" cap="none" strike="noStrike">
+        <a:defRPr sz="1400" b="0" i="0" u="none" strike="noStrike" cap="none">
           <a:solidFill>
             <a:srgbClr val="000000"/>
           </a:solidFill>
-          <a:latin typeface="Arial"/>
-          <a:ea typeface="Arial"/>
-          <a:cs typeface="Arial"/>
-          <a:sym typeface="Arial"/>
+          <a:latin typeface="Arial" panose="020B0604020202020204"/>
+          <a:ea typeface="Arial" panose="020B0604020202020204"/>
+          <a:cs typeface="Arial" panose="020B0604020202020204"/>
+          <a:sym typeface="Arial" panose="020B0604020202020204"/>
         </a:defRPr>
       </a:lvl7pPr>
-      <a:lvl8pPr lvl="7" marR="0" rtl="0" algn="l">
+      <a:lvl8pPr marR="0" lvl="7" algn="l" rtl="0">
         <a:lnSpc>
           <a:spcPct val="100000"/>
         </a:lnSpc>
@@ -3903,17 +3914,17 @@
           <a:spcPts val="0"/>
         </a:spcAft>
         <a:buNone/>
-        <a:defRPr b="0" i="0" sz="1400" u="none" cap="none" strike="noStrike">
+        <a:defRPr sz="1400" b="0" i="0" u="none" strike="noStrike" cap="none">
           <a:solidFill>
             <a:srgbClr val="000000"/>
           </a:solidFill>
-          <a:latin typeface="Arial"/>
-          <a:ea typeface="Arial"/>
-          <a:cs typeface="Arial"/>
-          <a:sym typeface="Arial"/>
+          <a:latin typeface="Arial" panose="020B0604020202020204"/>
+          <a:ea typeface="Arial" panose="020B0604020202020204"/>
+          <a:cs typeface="Arial" panose="020B0604020202020204"/>
+          <a:sym typeface="Arial" panose="020B0604020202020204"/>
         </a:defRPr>
       </a:lvl8pPr>
-      <a:lvl9pPr lvl="8" marR="0" rtl="0" algn="l">
+      <a:lvl9pPr marR="0" lvl="8" algn="l" rtl="0">
         <a:lnSpc>
           <a:spcPct val="100000"/>
         </a:lnSpc>
@@ -3924,14 +3935,14 @@
           <a:spcPts val="0"/>
         </a:spcAft>
         <a:buNone/>
-        <a:defRPr b="0" i="0" sz="1400" u="none" cap="none" strike="noStrike">
+        <a:defRPr sz="1400" b="0" i="0" u="none" strike="noStrike" cap="none">
           <a:solidFill>
             <a:srgbClr val="000000"/>
           </a:solidFill>
-          <a:latin typeface="Arial"/>
-          <a:ea typeface="Arial"/>
-          <a:cs typeface="Arial"/>
-          <a:sym typeface="Arial"/>
+          <a:latin typeface="Arial" panose="020B0604020202020204"/>
+          <a:ea typeface="Arial" panose="020B0604020202020204"/>
+          <a:cs typeface="Arial" panose="020B0604020202020204"/>
+          <a:sym typeface="Arial" panose="020B0604020202020204"/>
         </a:defRPr>
       </a:lvl9pPr>
     </p:otherStyle>
@@ -3940,7 +3951,7 @@
 </file>
 
 <file path=ppt/slides/slide1.xml><?xml version="1.0" encoding="utf-8"?>
-<p:sld xmlns:a="http://schemas.openxmlformats.org/drawingml/2006/main" xmlns:r="http://schemas.openxmlformats.org/officeDocument/2006/relationships" xmlns:mc="http://schemas.openxmlformats.org/markup-compatibility/2006" xmlns:mv="urn:schemas-microsoft-com:mac:vml" xmlns:p="http://schemas.openxmlformats.org/presentationml/2006/main" xmlns:c="http://schemas.openxmlformats.org/drawingml/2006/chart" xmlns:dgm="http://schemas.openxmlformats.org/drawingml/2006/diagram" xmlns:o="urn:schemas-microsoft-com:office:office" xmlns:v="urn:schemas-microsoft-com:vml" xmlns:pvml="urn:schemas-microsoft-com:office:powerpoint" xmlns:com="http://schemas.openxmlformats.org/drawingml/2006/compatibility" xmlns:p14="http://schemas.microsoft.com/office/powerpoint/2010/main">
+<p:sld xmlns:a="http://schemas.openxmlformats.org/drawingml/2006/main" xmlns:r="http://schemas.openxmlformats.org/officeDocument/2006/relationships" xmlns:p="http://schemas.openxmlformats.org/presentationml/2006/main">
   <p:cSld>
     <p:spTree>
       <p:nvGrpSpPr>
@@ -3974,7 +3985,7 @@
           </a:prstGeom>
         </p:spPr>
         <p:txBody>
-          <a:bodyPr anchorCtr="0" anchor="b" bIns="91425" lIns="91425" rIns="91425" tIns="91425">
+          <a:bodyPr lIns="91425" tIns="91425" rIns="91425" bIns="91425" anchor="b" anchorCtr="0">
             <a:noAutofit/>
           </a:bodyPr>
           <a:lstStyle/>
@@ -3986,9 +3997,10 @@
               <a:buNone/>
             </a:pPr>
             <a:r>
-              <a:rPr b="1" lang="en-GB" sz="7200"/>
+              <a:rPr lang="en-GB" sz="7200" b="1"/>
               <a:t>Design Patterns</a:t>
             </a:r>
+            <a:endParaRPr lang="en-GB" sz="7200" b="1"/>
           </a:p>
           <a:p>
             <a:pPr lvl="0" rtl="0">
@@ -3997,13 +4009,10 @@
               </a:spcBef>
               <a:buNone/>
             </a:pPr>
-            <a:r>
-              <a:t/>
-            </a:r>
             <a:endParaRPr sz="4800"/>
           </a:p>
           <a:p>
-            <a:pPr indent="-533400" lvl="0" marL="457200">
+            <a:pPr marL="457200" lvl="0" indent="-533400">
               <a:spcBef>
                 <a:spcPts val="0"/>
               </a:spcBef>
@@ -4014,6 +4023,7 @@
               <a:rPr lang="en-GB" sz="4800"/>
               <a:t>Fundamentals -</a:t>
             </a:r>
+            <a:endParaRPr lang="en-GB" sz="4800"/>
           </a:p>
         </p:txBody>
       </p:sp>
@@ -4026,7 +4036,7 @@
 </file>
 
 <file path=ppt/slides/slide2.xml><?xml version="1.0" encoding="utf-8"?>
-<p:sld xmlns:a="http://schemas.openxmlformats.org/drawingml/2006/main" xmlns:r="http://schemas.openxmlformats.org/officeDocument/2006/relationships" xmlns:mc="http://schemas.openxmlformats.org/markup-compatibility/2006" xmlns:mv="urn:schemas-microsoft-com:mac:vml" xmlns:p="http://schemas.openxmlformats.org/presentationml/2006/main" xmlns:c="http://schemas.openxmlformats.org/drawingml/2006/chart" xmlns:dgm="http://schemas.openxmlformats.org/drawingml/2006/diagram" xmlns:o="urn:schemas-microsoft-com:office:office" xmlns:v="urn:schemas-microsoft-com:vml" xmlns:pvml="urn:schemas-microsoft-com:office:powerpoint" xmlns:com="http://schemas.openxmlformats.org/drawingml/2006/compatibility" xmlns:p14="http://schemas.microsoft.com/office/powerpoint/2010/main">
+<p:sld xmlns:a="http://schemas.openxmlformats.org/drawingml/2006/main" xmlns:r="http://schemas.openxmlformats.org/officeDocument/2006/relationships" xmlns:p="http://schemas.openxmlformats.org/presentationml/2006/main">
   <p:cSld>
     <p:spTree>
       <p:nvGrpSpPr>
@@ -4060,7 +4070,7 @@
           </a:prstGeom>
         </p:spPr>
         <p:txBody>
-          <a:bodyPr anchorCtr="0" anchor="t" bIns="91425" lIns="91425" rIns="91425" tIns="91425">
+          <a:bodyPr lIns="91425" tIns="91425" rIns="91425" bIns="91425" anchor="t" anchorCtr="0">
             <a:noAutofit/>
           </a:bodyPr>
           <a:lstStyle/>
@@ -4072,9 +4082,10 @@
               <a:buNone/>
             </a:pPr>
             <a:r>
-              <a:rPr b="1" lang="en-GB"/>
+              <a:rPr lang="en-GB" b="1"/>
               <a:t>What are design patterns?</a:t>
             </a:r>
+            <a:endParaRPr lang="en-GB" b="1"/>
           </a:p>
         </p:txBody>
       </p:sp>
@@ -4083,7 +4094,7 @@
           <p:cNvPr id="60" name="Shape 60"/>
           <p:cNvSpPr txBox="1"/>
           <p:nvPr>
-            <p:ph idx="1" type="body"/>
+            <p:ph type="body" idx="1"/>
           </p:nvPr>
         </p:nvSpPr>
         <p:spPr>
@@ -4096,12 +4107,12 @@
           </a:prstGeom>
         </p:spPr>
         <p:txBody>
-          <a:bodyPr anchorCtr="0" anchor="t" bIns="91425" lIns="91425" rIns="91425" tIns="91425">
+          <a:bodyPr lIns="91425" tIns="91425" rIns="91425" bIns="91425" anchor="t" anchorCtr="0">
             <a:noAutofit/>
           </a:bodyPr>
           <a:lstStyle/>
           <a:p>
-            <a:pPr indent="-228600" lvl="0" marL="457200" rtl="0">
+            <a:pPr marL="457200" lvl="0" indent="-228600" rtl="0">
               <a:spcBef>
                 <a:spcPts val="0"/>
               </a:spcBef>
@@ -4110,28 +4121,22 @@
               <a:rPr lang="en-GB"/>
               <a:t>Design patterns provide solutions for common programming problems.</a:t>
             </a:r>
+            <a:endParaRPr lang="en-GB"/>
           </a:p>
           <a:p>
-            <a:pPr indent="-228600" lvl="0" marL="457200" rtl="0">
+            <a:pPr marL="457200" lvl="0" indent="-228600" rtl="0">
               <a:spcBef>
                 <a:spcPts val="0"/>
               </a:spcBef>
             </a:pPr>
             <a:r>
               <a:rPr lang="en-GB"/>
-              <a:t>It provide </a:t>
+              <a:t>It provide guideline for flexible and maintainable code.</a:t>
             </a:r>
-            <a:r>
-              <a:rPr lang="en-GB"/>
-              <a:t>guideline</a:t>
-            </a:r>
-            <a:r>
-              <a:rPr lang="en-GB"/>
-              <a:t> for flexible and maintainable code.</a:t>
-            </a:r>
+            <a:endParaRPr lang="en-GB"/>
           </a:p>
           <a:p>
-            <a:pPr indent="-228600" lvl="0" marL="457200" rtl="0">
+            <a:pPr marL="457200" lvl="0" indent="-228600" rtl="0">
               <a:spcBef>
                 <a:spcPts val="0"/>
               </a:spcBef>
@@ -4140,9 +4145,10 @@
               <a:rPr lang="en-GB"/>
               <a:t>It don’t belong to solutions for specific software, but solutions in developer’s perspective.</a:t>
             </a:r>
+            <a:endParaRPr lang="en-GB"/>
           </a:p>
           <a:p>
-            <a:pPr indent="-228600" lvl="0" marL="457200" rtl="0">
+            <a:pPr marL="457200" lvl="0" indent="-228600" rtl="0">
               <a:spcBef>
                 <a:spcPts val="0"/>
               </a:spcBef>
@@ -4151,28 +4157,22 @@
               <a:rPr lang="en-GB"/>
               <a:t>It speed up software development process and software upgradation. </a:t>
             </a:r>
+            <a:endParaRPr lang="en-GB"/>
           </a:p>
           <a:p>
-            <a:pPr indent="-228600" lvl="0" marL="457200" rtl="0">
+            <a:pPr marL="457200" lvl="0" indent="-228600" rtl="0">
               <a:spcBef>
                 <a:spcPts val="0"/>
               </a:spcBef>
             </a:pPr>
             <a:r>
               <a:rPr lang="en-GB"/>
-              <a:t>It is not a framework, </a:t>
+              <a:t>It is not a framework, library or package to be imported and used.</a:t>
             </a:r>
-            <a:r>
-              <a:rPr lang="en-GB"/>
-              <a:t>library</a:t>
-            </a:r>
-            <a:r>
-              <a:rPr lang="en-GB"/>
-              <a:t> or package to be imported and used.</a:t>
-            </a:r>
+            <a:endParaRPr lang="en-GB"/>
           </a:p>
           <a:p>
-            <a:pPr indent="-228600" lvl="0" marL="457200" rtl="0">
+            <a:pPr marL="457200" lvl="0" indent="-228600" rtl="0">
               <a:spcBef>
                 <a:spcPts val="0"/>
               </a:spcBef>
@@ -4181,6 +4181,7 @@
               <a:rPr lang="en-GB"/>
               <a:t>It is used before writing any piece of code.</a:t>
             </a:r>
+            <a:endParaRPr lang="en-GB"/>
           </a:p>
         </p:txBody>
       </p:sp>
@@ -4193,7 +4194,7 @@
 </file>
 
 <file path=ppt/slides/slide3.xml><?xml version="1.0" encoding="utf-8"?>
-<p:sld xmlns:a="http://schemas.openxmlformats.org/drawingml/2006/main" xmlns:r="http://schemas.openxmlformats.org/officeDocument/2006/relationships" xmlns:mc="http://schemas.openxmlformats.org/markup-compatibility/2006" xmlns:mv="urn:schemas-microsoft-com:mac:vml" xmlns:p="http://schemas.openxmlformats.org/presentationml/2006/main" xmlns:c="http://schemas.openxmlformats.org/drawingml/2006/chart" xmlns:dgm="http://schemas.openxmlformats.org/drawingml/2006/diagram" xmlns:o="urn:schemas-microsoft-com:office:office" xmlns:v="urn:schemas-microsoft-com:vml" xmlns:pvml="urn:schemas-microsoft-com:office:powerpoint" xmlns:com="http://schemas.openxmlformats.org/drawingml/2006/compatibility" xmlns:p14="http://schemas.microsoft.com/office/powerpoint/2010/main">
+<p:sld xmlns:a="http://schemas.openxmlformats.org/drawingml/2006/main" xmlns:r="http://schemas.openxmlformats.org/officeDocument/2006/relationships" xmlns:p="http://schemas.openxmlformats.org/presentationml/2006/main">
   <p:cSld>
     <p:spTree>
       <p:nvGrpSpPr>
@@ -4227,7 +4228,7 @@
           </a:prstGeom>
         </p:spPr>
         <p:txBody>
-          <a:bodyPr anchorCtr="0" anchor="t" bIns="91425" lIns="91425" rIns="91425" tIns="91425">
+          <a:bodyPr lIns="91425" tIns="91425" rIns="91425" bIns="91425" anchor="t" anchorCtr="0">
             <a:noAutofit/>
           </a:bodyPr>
           <a:lstStyle/>
@@ -4239,7 +4240,7 @@
               <a:buNone/>
             </a:pPr>
             <a:r>
-              <a:rPr b="1" lang="en-GB" sz="3600">
+              <a:rPr lang="en-GB" sz="3600" b="1">
                 <a:solidFill>
                   <a:srgbClr val="222222"/>
                 </a:solidFill>
@@ -4249,6 +4250,14 @@
               </a:rPr>
               <a:t>Prerequisites</a:t>
             </a:r>
+            <a:endParaRPr lang="en-GB" sz="3600" b="1">
+              <a:solidFill>
+                <a:srgbClr val="222222"/>
+              </a:solidFill>
+              <a:highlight>
+                <a:srgbClr val="FFFFFF"/>
+              </a:highlight>
+            </a:endParaRPr>
           </a:p>
         </p:txBody>
       </p:sp>
@@ -4257,7 +4266,7 @@
           <p:cNvPr id="66" name="Shape 66"/>
           <p:cNvSpPr txBox="1"/>
           <p:nvPr>
-            <p:ph idx="1" type="body"/>
+            <p:ph type="body" idx="1"/>
           </p:nvPr>
         </p:nvSpPr>
         <p:spPr>
@@ -4270,12 +4279,12 @@
           </a:prstGeom>
         </p:spPr>
         <p:txBody>
-          <a:bodyPr anchorCtr="0" anchor="t" bIns="91425" lIns="91425" rIns="91425" tIns="91425">
+          <a:bodyPr lIns="91425" tIns="91425" rIns="91425" bIns="91425" anchor="t" anchorCtr="0">
             <a:noAutofit/>
           </a:bodyPr>
           <a:lstStyle/>
           <a:p>
-            <a:pPr indent="-381000" lvl="0" marL="457200" rtl="0">
+            <a:pPr marL="457200" lvl="0" indent="-381000" rtl="0">
               <a:spcBef>
                 <a:spcPts val="0"/>
               </a:spcBef>
@@ -4283,19 +4292,12 @@
             </a:pPr>
             <a:r>
               <a:rPr lang="en-GB" sz="2400"/>
-              <a:t>Must have experience in </a:t>
+              <a:t>Must have experience in at least one object oriented programming language like C++, C#, Java, python etc.</a:t>
             </a:r>
-            <a:r>
-              <a:rPr lang="en-GB" sz="2400"/>
-              <a:t>at least</a:t>
-            </a:r>
-            <a:r>
-              <a:rPr lang="en-GB" sz="2400"/>
-              <a:t> one object oriented programming language like C++, C#, Java, python etc.</a:t>
-            </a:r>
+            <a:endParaRPr lang="en-GB" sz="2400"/>
           </a:p>
           <a:p>
-            <a:pPr indent="-381000" lvl="0" marL="457200" rtl="0">
+            <a:pPr marL="457200" lvl="0" indent="-381000" rtl="0">
               <a:spcBef>
                 <a:spcPts val="0"/>
               </a:spcBef>
@@ -4305,6 +4307,7 @@
               <a:rPr lang="en-GB" sz="2400"/>
               <a:t>Must know basics of class diagrams.</a:t>
             </a:r>
+            <a:endParaRPr lang="en-GB" sz="2400"/>
           </a:p>
           <a:p>
             <a:pPr lvl="0" rtl="0">
@@ -4313,9 +4316,6 @@
               </a:spcBef>
               <a:buNone/>
             </a:pPr>
-            <a:r>
-              <a:t/>
-            </a:r>
             <a:endParaRPr sz="2400"/>
           </a:p>
         </p:txBody>
@@ -4329,7 +4329,7 @@
 </file>
 
 <file path=ppt/slides/slide4.xml><?xml version="1.0" encoding="utf-8"?>
-<p:sld xmlns:a="http://schemas.openxmlformats.org/drawingml/2006/main" xmlns:r="http://schemas.openxmlformats.org/officeDocument/2006/relationships" xmlns:mc="http://schemas.openxmlformats.org/markup-compatibility/2006" xmlns:mv="urn:schemas-microsoft-com:mac:vml" xmlns:p="http://schemas.openxmlformats.org/presentationml/2006/main" xmlns:c="http://schemas.openxmlformats.org/drawingml/2006/chart" xmlns:dgm="http://schemas.openxmlformats.org/drawingml/2006/diagram" xmlns:o="urn:schemas-microsoft-com:office:office" xmlns:v="urn:schemas-microsoft-com:vml" xmlns:pvml="urn:schemas-microsoft-com:office:powerpoint" xmlns:com="http://schemas.openxmlformats.org/drawingml/2006/compatibility" xmlns:p14="http://schemas.microsoft.com/office/powerpoint/2010/main">
+<p:sld xmlns:a="http://schemas.openxmlformats.org/drawingml/2006/main" xmlns:r="http://schemas.openxmlformats.org/officeDocument/2006/relationships" xmlns:p="http://schemas.openxmlformats.org/presentationml/2006/main">
   <p:cSld>
     <p:spTree>
       <p:nvGrpSpPr>
@@ -4363,7 +4363,7 @@
           </a:prstGeom>
         </p:spPr>
         <p:txBody>
-          <a:bodyPr anchorCtr="0" anchor="t" bIns="91425" lIns="91425" rIns="91425" tIns="91425">
+          <a:bodyPr lIns="91425" tIns="91425" rIns="91425" bIns="91425" anchor="t" anchorCtr="0">
             <a:noAutofit/>
           </a:bodyPr>
           <a:lstStyle/>
@@ -4378,6 +4378,7 @@
               <a:rPr lang="en-GB"/>
               <a:t>Topics to cover</a:t>
             </a:r>
+            <a:endParaRPr lang="en-GB"/>
           </a:p>
         </p:txBody>
       </p:sp>
@@ -4386,7 +4387,7 @@
           <p:cNvPr id="72" name="Shape 72"/>
           <p:cNvSpPr txBox="1"/>
           <p:nvPr>
-            <p:ph idx="1" type="body"/>
+            <p:ph type="body" idx="1"/>
           </p:nvPr>
         </p:nvSpPr>
         <p:spPr>
@@ -4399,12 +4400,12 @@
           </a:prstGeom>
         </p:spPr>
         <p:txBody>
-          <a:bodyPr anchorCtr="0" anchor="t" bIns="91425" lIns="91425" rIns="91425" tIns="91425">
+          <a:bodyPr lIns="91425" tIns="91425" rIns="91425" bIns="91425" anchor="t" anchorCtr="0">
             <a:noAutofit/>
           </a:bodyPr>
           <a:lstStyle/>
           <a:p>
-            <a:pPr indent="-228600" lvl="0" marL="457200" rtl="0">
+            <a:pPr marL="457200" lvl="0" indent="-228600" rtl="0">
               <a:spcBef>
                 <a:spcPts val="0"/>
               </a:spcBef>
@@ -4414,9 +4415,10 @@
               <a:rPr lang="en-GB"/>
               <a:t>Observer Pattern</a:t>
             </a:r>
+            <a:endParaRPr lang="en-GB"/>
           </a:p>
           <a:p>
-            <a:pPr indent="-228600" lvl="0" marL="457200" rtl="0">
+            <a:pPr marL="457200" lvl="0" indent="-228600" rtl="0">
               <a:spcBef>
                 <a:spcPts val="0"/>
               </a:spcBef>
@@ -4426,9 +4428,10 @@
               <a:rPr lang="en-GB"/>
               <a:t>Strategy Pattern</a:t>
             </a:r>
+            <a:endParaRPr lang="en-GB"/>
           </a:p>
           <a:p>
-            <a:pPr indent="-228600" lvl="0" marL="457200" rtl="0">
+            <a:pPr marL="457200" lvl="0" indent="-228600" rtl="0">
               <a:spcBef>
                 <a:spcPts val="0"/>
               </a:spcBef>
@@ -4438,9 +4441,10 @@
               <a:rPr lang="en-GB"/>
               <a:t>Decorator Pattern</a:t>
             </a:r>
+            <a:endParaRPr lang="en-GB"/>
           </a:p>
           <a:p>
-            <a:pPr indent="-228600" lvl="0" marL="457200" rtl="0">
+            <a:pPr marL="457200" lvl="0" indent="-228600" rtl="0">
               <a:spcBef>
                 <a:spcPts val="0"/>
               </a:spcBef>
@@ -4450,9 +4454,10 @@
               <a:rPr lang="en-GB"/>
               <a:t>Singleton Pattern</a:t>
             </a:r>
+            <a:endParaRPr lang="en-GB"/>
           </a:p>
           <a:p>
-            <a:pPr indent="-228600" lvl="0" marL="457200" rtl="0">
+            <a:pPr marL="457200" lvl="0" indent="-228600" rtl="0">
               <a:spcBef>
                 <a:spcPts val="0"/>
               </a:spcBef>
@@ -4462,9 +4467,10 @@
               <a:rPr lang="en-GB"/>
               <a:t>Collection Pattern</a:t>
             </a:r>
+            <a:endParaRPr lang="en-GB"/>
           </a:p>
           <a:p>
-            <a:pPr indent="-228600" lvl="0" marL="457200" rtl="0">
+            <a:pPr marL="457200" lvl="0" indent="-228600" rtl="0">
               <a:spcBef>
                 <a:spcPts val="0"/>
               </a:spcBef>
@@ -4474,9 +4480,10 @@
               <a:rPr lang="en-GB"/>
               <a:t>State Pattern</a:t>
             </a:r>
+            <a:endParaRPr lang="en-GB"/>
           </a:p>
           <a:p>
-            <a:pPr indent="-228600" lvl="0" marL="457200">
+            <a:pPr marL="457200" lvl="0" indent="-228600">
               <a:spcBef>
                 <a:spcPts val="0"/>
               </a:spcBef>
@@ -4486,6 +4493,7 @@
               <a:rPr lang="en-GB"/>
               <a:t>Factory Pattern</a:t>
             </a:r>
+            <a:endParaRPr lang="en-GB"/>
           </a:p>
         </p:txBody>
       </p:sp>
@@ -4498,7 +4506,7 @@
 </file>
 
 <file path=ppt/theme/theme1.xml><?xml version="1.0" encoding="utf-8"?>
-<a:theme xmlns:a="http://schemas.openxmlformats.org/drawingml/2006/main" xmlns:r="http://schemas.openxmlformats.org/officeDocument/2006/relationships" name="simple-light-2">
+<a:theme xmlns:a="http://schemas.openxmlformats.org/drawingml/2006/main" name="simple-light-2">
   <a:themeElements>
     <a:clrScheme name="Simple Light">
       <a:dk1>
@@ -4773,11 +4781,16 @@
       </a:bgFillStyleLst>
     </a:fmtScheme>
   </a:themeElements>
+  <a:extLst>
+    <a:ext uri="{05A4C25C-085E-4340-85A3-A5531E510DB2}">
+      <thm15:themeFamily xmlns:thm15="http://schemas.microsoft.com/office/thememl/2012/main" name="Office Theme" id="{62F939B6-93AF-4DB8-9C6B-D6C7DFDC589F}" vid="{4A3C46E8-61CC-4603-A589-7422A47A8E4A}"/>
+    </a:ext>
+  </a:extLst>
 </a:theme>
 </file>
 
 <file path=ppt/theme/theme2.xml><?xml version="1.0" encoding="utf-8"?>
-<a:theme xmlns:a="http://schemas.openxmlformats.org/drawingml/2006/main" xmlns:r="http://schemas.openxmlformats.org/officeDocument/2006/relationships" name="Custom Theme">
+<a:theme xmlns:a="http://schemas.openxmlformats.org/drawingml/2006/main" name="Custom Theme">
   <a:themeElements>
     <a:clrScheme name="Default">
       <a:dk1>
@@ -5052,5 +5065,10 @@
       </a:bgFillStyleLst>
     </a:fmtScheme>
   </a:themeElements>
+  <a:extLst>
+    <a:ext uri="{05A4C25C-085E-4340-85A3-A5531E510DB2}">
+      <thm15:themeFamily xmlns:thm15="http://schemas.microsoft.com/office/thememl/2012/main" name="Office Theme" id="{62F939B6-93AF-4DB8-9C6B-D6C7DFDC589F}" vid="{4A3C46E8-61CC-4603-A589-7422A47A8E4A}"/>
+    </a:ext>
+  </a:extLst>
 </a:theme>
 </file>